--- a/translations/en-us/beginner/CustomImagesSounds.pptx
+++ b/translations/en-us/beginner/CustomImagesSounds.pptx
@@ -222,7 +222,7 @@
           <a:p>
             <a:fld id="{F8D9B3D7-15CB-9343-AA49-EFB5A8F33F18}" type="datetimeFigureOut">
               <a:rPr lang="en-US" smtClean="0"/>
-              <a:t>7/4/16</a:t>
+              <a:t>7/19/16</a:t>
             </a:fld>
             <a:endParaRPr lang="en-US"/>
           </a:p>
@@ -388,7 +388,7 @@
           <a:p>
             <a:fld id="{FD3EFF1E-85A1-6640-AFB9-C38833E80A84}" type="datetimeFigureOut">
               <a:rPr lang="en-US" smtClean="0"/>
-              <a:t>7/4/16</a:t>
+              <a:t>7/19/16</a:t>
             </a:fld>
             <a:endParaRPr lang="en-US"/>
           </a:p>
@@ -956,7 +956,7 @@
           <a:p>
             <a:fld id="{9387C848-F9A4-1740-BEF1-D94E8B96C272}" type="datetime1">
               <a:rPr lang="en-US" smtClean="0"/>
-              <a:t>7/4/16</a:t>
+              <a:t>7/19/16</a:t>
             </a:fld>
             <a:endParaRPr lang="en-US"/>
           </a:p>
@@ -1130,7 +1130,7 @@
           <a:p>
             <a:fld id="{519F4535-A6BA-5042-995C-1E4486AA28C6}" type="datetime1">
               <a:rPr lang="en-US" smtClean="0"/>
-              <a:t>7/4/16</a:t>
+              <a:t>7/19/16</a:t>
             </a:fld>
             <a:endParaRPr lang="en-US"/>
           </a:p>
@@ -1314,7 +1314,7 @@
           <a:p>
             <a:fld id="{C29AC76D-C0D3-4749-8D98-F88BD4B4CFCA}" type="datetime1">
               <a:rPr lang="en-US" smtClean="0"/>
-              <a:t>7/4/16</a:t>
+              <a:t>7/19/16</a:t>
             </a:fld>
             <a:endParaRPr lang="en-US"/>
           </a:p>
@@ -1531,7 +1531,7 @@
           <a:p>
             <a:fld id="{554BDD72-45D5-B64F-ACC0-9C7C112C5ECC}" type="datetime1">
               <a:rPr lang="en-US" smtClean="0"/>
-              <a:t>7/4/16</a:t>
+              <a:t>7/19/16</a:t>
             </a:fld>
             <a:endParaRPr lang="en-US"/>
           </a:p>
@@ -1750,7 +1750,7 @@
           <a:noFill/>
           <a:extLst>
             <a:ext uri="{909E8E84-426E-40dd-AFC4-6F175D3DCCD1}">
-              <a14:hiddenFill xmlns:a14="http://schemas.microsoft.com/office/drawing/2010/main" xmlns="">
+              <a14:hiddenFill xmlns="" xmlns:a14="http://schemas.microsoft.com/office/drawing/2010/main">
                 <a:solidFill>
                   <a:srgbClr val="FFFFFF"/>
                 </a:solidFill>
@@ -2082,7 +2082,7 @@
           <a:p>
             <a:fld id="{215CE4A5-41CF-9740-9419-8E5FA9F25605}" type="datetime1">
               <a:rPr lang="en-US" smtClean="0"/>
-              <a:t>7/4/16</a:t>
+              <a:t>7/19/16</a:t>
             </a:fld>
             <a:endParaRPr lang="en-US"/>
           </a:p>
@@ -2355,7 +2355,7 @@
           <a:p>
             <a:fld id="{3A1C2AD1-C620-F040-AC8F-15DD6E3E2E18}" type="datetime1">
               <a:rPr lang="en-US" smtClean="0"/>
-              <a:t>7/4/16</a:t>
+              <a:t>7/19/16</a:t>
             </a:fld>
             <a:endParaRPr lang="en-US"/>
           </a:p>
@@ -2660,7 +2660,7 @@
           <a:p>
             <a:fld id="{690392C4-0187-0847-9034-C42781840BC3}" type="datetime1">
               <a:rPr lang="en-US" smtClean="0"/>
-              <a:t>7/4/16</a:t>
+              <a:t>7/19/16</a:t>
             </a:fld>
             <a:endParaRPr lang="en-US"/>
           </a:p>
@@ -3123,7 +3123,7 @@
           <a:p>
             <a:fld id="{770D91D9-7FF5-2D4F-BDB6-3C63EEE76122}" type="datetime1">
               <a:rPr lang="en-US" smtClean="0"/>
-              <a:t>7/4/16</a:t>
+              <a:t>7/19/16</a:t>
             </a:fld>
             <a:endParaRPr lang="en-US"/>
           </a:p>
@@ -3260,7 +3260,7 @@
           <a:p>
             <a:fld id="{194651B9-E077-CB4F-B249-BCBC5B92F741}" type="datetime1">
               <a:rPr lang="en-US" smtClean="0"/>
-              <a:t>7/4/16</a:t>
+              <a:t>7/19/16</a:t>
             </a:fld>
             <a:endParaRPr lang="en-US"/>
           </a:p>
@@ -3374,7 +3374,7 @@
           <a:p>
             <a:fld id="{01AAC732-C1E6-0B48-AAAC-3DCB08DB0142}" type="datetime1">
               <a:rPr lang="en-US" smtClean="0"/>
-              <a:t>7/4/16</a:t>
+              <a:t>7/19/16</a:t>
             </a:fld>
             <a:endParaRPr lang="en-US"/>
           </a:p>
@@ -3633,7 +3633,7 @@
           <a:p>
             <a:fld id="{665A56FD-FFA4-EF47-A4F8-202D983F3F65}" type="datetime1">
               <a:rPr lang="en-US" smtClean="0"/>
-              <a:t>7/4/16</a:t>
+              <a:t>7/19/16</a:t>
             </a:fld>
             <a:endParaRPr lang="en-US"/>
           </a:p>
@@ -3838,7 +3838,7 @@
           <a:p>
             <a:fld id="{05B081E1-9DD9-C749-96E2-5C4B8C23F648}" type="datetime1">
               <a:rPr lang="en-US" smtClean="0"/>
-              <a:t>7/4/16</a:t>
+              <a:t>7/19/16</a:t>
             </a:fld>
             <a:endParaRPr lang="en-US"/>
           </a:p>
@@ -4118,7 +4118,7 @@
           <a:p>
             <a:fld id="{46A73A77-3A71-5247-815D-F0BF4C215518}" type="datetime1">
               <a:rPr lang="en-US" smtClean="0"/>
-              <a:t>7/4/16</a:t>
+              <a:t>7/19/16</a:t>
             </a:fld>
             <a:endParaRPr lang="en-US"/>
           </a:p>
@@ -4388,7 +4388,7 @@
           <a:p>
             <a:fld id="{F89E0FCD-2DD8-2949-BECC-6EE1F6C936A7}" type="datetime1">
               <a:rPr lang="en-US" smtClean="0"/>
-              <a:t>7/4/16</a:t>
+              <a:t>7/19/16</a:t>
             </a:fld>
             <a:endParaRPr lang="en-US"/>
           </a:p>
@@ -4580,7 +4580,7 @@
           <a:p>
             <a:fld id="{DF7196CA-BAD1-A545-8313-92CAEB2BFD46}" type="datetime1">
               <a:rPr lang="en-US" smtClean="0"/>
-              <a:t>7/4/16</a:t>
+              <a:t>7/19/16</a:t>
             </a:fld>
             <a:endParaRPr lang="en-US"/>
           </a:p>
@@ -4784,7 +4784,7 @@
           <a:p>
             <a:fld id="{AA7D07DD-2106-8741-92C2-F0AF7719ED70}" type="datetime1">
               <a:rPr lang="en-US" smtClean="0"/>
-              <a:t>7/4/16</a:t>
+              <a:t>7/19/16</a:t>
             </a:fld>
             <a:endParaRPr lang="en-US"/>
           </a:p>
@@ -4958,7 +4958,7 @@
           <a:p>
             <a:fld id="{A5B71E5D-7D90-8343-8229-C40525E7F00C}" type="datetime1">
               <a:rPr lang="en-US" smtClean="0"/>
-              <a:t>7/4/16</a:t>
+              <a:t>7/19/16</a:t>
             </a:fld>
             <a:endParaRPr lang="en-US"/>
           </a:p>
@@ -5208,7 +5208,7 @@
           <a:p>
             <a:fld id="{FB63FCD2-5A3D-B242-A70B-801B71DCE415}" type="datetime1">
               <a:rPr lang="en-US" smtClean="0"/>
-              <a:t>7/4/16</a:t>
+              <a:t>7/19/16</a:t>
             </a:fld>
             <a:endParaRPr lang="en-US"/>
           </a:p>
@@ -5444,7 +5444,7 @@
           <a:p>
             <a:fld id="{AC9D69EC-401C-1745-BE3E-1000C63324C4}" type="datetime1">
               <a:rPr lang="en-US" smtClean="0"/>
-              <a:t>7/4/16</a:t>
+              <a:t>7/19/16</a:t>
             </a:fld>
             <a:endParaRPr lang="en-US"/>
           </a:p>
@@ -5815,7 +5815,7 @@
           <a:p>
             <a:fld id="{0E09D221-8118-C44F-9A78-43122CFF5B9E}" type="datetime1">
               <a:rPr lang="en-US" smtClean="0"/>
-              <a:t>7/4/16</a:t>
+              <a:t>7/19/16</a:t>
             </a:fld>
             <a:endParaRPr lang="en-US"/>
           </a:p>
@@ -5937,7 +5937,7 @@
           <a:p>
             <a:fld id="{9FBF6A28-4906-EE42-8C80-455F884C1D53}" type="datetime1">
               <a:rPr lang="en-US" smtClean="0"/>
-              <a:t>7/4/16</a:t>
+              <a:t>7/19/16</a:t>
             </a:fld>
             <a:endParaRPr lang="en-US"/>
           </a:p>
@@ -6036,7 +6036,7 @@
           <a:p>
             <a:fld id="{B39B5366-1E3B-C043-A870-CE4C46302526}" type="datetime1">
               <a:rPr lang="en-US" smtClean="0"/>
-              <a:t>7/4/16</a:t>
+              <a:t>7/19/16</a:t>
             </a:fld>
             <a:endParaRPr lang="en-US"/>
           </a:p>
@@ -6286,7 +6286,7 @@
           <a:p>
             <a:fld id="{FB3AB238-7423-9E49-A6FE-1F0B988ECC41}" type="datetime1">
               <a:rPr lang="en-US" smtClean="0"/>
-              <a:t>7/4/16</a:t>
+              <a:t>7/19/16</a:t>
             </a:fld>
             <a:endParaRPr lang="en-US"/>
           </a:p>
@@ -6567,7 +6567,7 @@
           <a:p>
             <a:fld id="{94AD532A-31CF-EF45-8554-B8DBAB70B832}" type="datetime1">
               <a:rPr lang="en-US" smtClean="0"/>
-              <a:t>7/4/16</a:t>
+              <a:t>7/19/16</a:t>
             </a:fld>
             <a:endParaRPr lang="en-US"/>
           </a:p>
@@ -6828,7 +6828,7 @@
           <a:p>
             <a:fld id="{A64E0AA7-3FD1-A54B-BD49-E7981AE79623}" type="datetime1">
               <a:rPr lang="en-US" smtClean="0"/>
-              <a:t>7/4/16</a:t>
+              <a:t>7/19/16</a:t>
             </a:fld>
             <a:endParaRPr lang="en-US"/>
           </a:p>
@@ -7002,7 +7002,7 @@
           <a:p>
             <a:fld id="{F32E51A7-DD62-AC49-A09B-EA0A28321534}" type="datetime1">
               <a:rPr lang="en-US" smtClean="0"/>
-              <a:t>7/4/16</a:t>
+              <a:t>7/19/16</a:t>
             </a:fld>
             <a:endParaRPr lang="en-US"/>
           </a:p>
@@ -7186,7 +7186,7 @@
           <a:p>
             <a:fld id="{9984DBD5-8CCD-1541-A097-7A2DA0832F9F}" type="datetime1">
               <a:rPr lang="en-US" smtClean="0"/>
-              <a:t>7/4/16</a:t>
+              <a:t>7/19/16</a:t>
             </a:fld>
             <a:endParaRPr lang="en-US"/>
           </a:p>
@@ -7422,7 +7422,7 @@
           <a:p>
             <a:fld id="{DB6830BF-4608-AB4D-BFE3-83AC32B4EDD0}" type="datetime1">
               <a:rPr lang="en-US" smtClean="0"/>
-              <a:t>7/4/16</a:t>
+              <a:t>7/19/16</a:t>
             </a:fld>
             <a:endParaRPr lang="en-US"/>
           </a:p>
@@ -7793,7 +7793,7 @@
           <a:p>
             <a:fld id="{9B017E44-3FD1-4241-AF9F-94DB0B3C1599}" type="datetime1">
               <a:rPr lang="en-US" smtClean="0"/>
-              <a:t>7/4/16</a:t>
+              <a:t>7/19/16</a:t>
             </a:fld>
             <a:endParaRPr lang="en-US"/>
           </a:p>
@@ -7915,7 +7915,7 @@
           <a:p>
             <a:fld id="{BC5741C7-98D2-D843-A050-CA233DFF3160}" type="datetime1">
               <a:rPr lang="en-US" smtClean="0"/>
-              <a:t>7/4/16</a:t>
+              <a:t>7/19/16</a:t>
             </a:fld>
             <a:endParaRPr lang="en-US"/>
           </a:p>
@@ -8014,7 +8014,7 @@
           <a:p>
             <a:fld id="{08D0A721-B8BA-F24D-BD9E-D4CA63E0A187}" type="datetime1">
               <a:rPr lang="en-US" smtClean="0"/>
-              <a:t>7/4/16</a:t>
+              <a:t>7/19/16</a:t>
             </a:fld>
             <a:endParaRPr lang="en-US"/>
           </a:p>
@@ -8295,7 +8295,7 @@
           <a:p>
             <a:fld id="{EBEE6C9B-A0F7-B94F-AC73-5550C9C363E1}" type="datetime1">
               <a:rPr lang="en-US" smtClean="0"/>
-              <a:t>7/4/16</a:t>
+              <a:t>7/19/16</a:t>
             </a:fld>
             <a:endParaRPr lang="en-US"/>
           </a:p>
@@ -8552,7 +8552,7 @@
           <a:p>
             <a:fld id="{540A00DC-C0AE-E343-9C66-8D355464AEDB}" type="datetime1">
               <a:rPr lang="en-US" smtClean="0"/>
-              <a:t>7/4/16</a:t>
+              <a:t>7/19/16</a:t>
             </a:fld>
             <a:endParaRPr lang="en-US"/>
           </a:p>
@@ -8769,7 +8769,7 @@
           <a:p>
             <a:fld id="{C892A812-364D-A24A-8A4E-FDE37E2CC5E9}" type="datetime1">
               <a:rPr lang="en-US" smtClean="0"/>
-              <a:t>7/4/16</a:t>
+              <a:t>7/19/16</a:t>
             </a:fld>
             <a:endParaRPr lang="en-US"/>
           </a:p>
@@ -9312,7 +9312,7 @@
           <a:p>
             <a:fld id="{11AAC15B-19EE-CE4D-A7CF-05EC0E0F9A11}" type="datetime1">
               <a:rPr lang="en-US" smtClean="0"/>
-              <a:t>7/4/16</a:t>
+              <a:t>7/19/16</a:t>
             </a:fld>
             <a:endParaRPr lang="en-US"/>
           </a:p>
@@ -10077,7 +10077,7 @@
           <a:p>
             <a:fld id="{80E37856-B191-AC44-904B-D86C9A9A7AF4}" type="datetime1">
               <a:rPr lang="en-US" smtClean="0"/>
-              <a:t>7/4/16</a:t>
+              <a:t>7/19/16</a:t>
             </a:fld>
             <a:endParaRPr lang="en-US"/>
           </a:p>
@@ -10534,6 +10534,35 @@
           </a:p>
         </p:txBody>
       </p:sp>
+      <p:pic>
+        <p:nvPicPr>
+          <p:cNvPr id="4" name="Picture 3"/>
+          <p:cNvPicPr>
+            <a:picLocks noChangeAspect="1"/>
+          </p:cNvPicPr>
+          <p:nvPr/>
+        </p:nvPicPr>
+        <p:blipFill rotWithShape="1">
+          <a:blip r:embed="rId3">
+            <a:extLst>
+              <a:ext uri="{28A0092B-C50C-407E-A947-70E740481C1C}">
+                <a14:useLocalDpi xmlns:a14="http://schemas.microsoft.com/office/drawing/2010/main" val="0"/>
+              </a:ext>
+            </a:extLst>
+          </a:blip>
+          <a:srcRect l="4523" t="17619" r="3095" b="25000"/>
+          <a:stretch/>
+        </p:blipFill>
+        <p:spPr>
+          <a:xfrm>
+            <a:off x="3711108" y="4592409"/>
+            <a:ext cx="1700816" cy="1056435"/>
+          </a:xfrm>
+          <a:prstGeom prst="rect">
+            <a:avLst/>
+          </a:prstGeom>
+        </p:spPr>
+      </p:pic>
     </p:spTree>
     <p:extLst>
       <p:ext uri="{BB962C8B-B14F-4D97-AF65-F5344CB8AC3E}">
@@ -10639,11 +10668,7 @@
             </a:r>
             <a:r>
               <a:rPr lang="en-US" sz="1800" dirty="0" smtClean="0"/>
-              <a:t>lessons are available at </a:t>
-            </a:r>
-            <a:r>
-              <a:rPr lang="en-US" sz="1800" dirty="0" smtClean="0"/>
-              <a:t>www.ev3lessons.com</a:t>
+              <a:t>lessons are available at www.ev3lessons.com</a:t>
             </a:r>
             <a:r>
               <a:rPr lang="en-US" sz="1800" b="0" dirty="0"/>
@@ -10727,7 +10752,7 @@
           <a:effectLst/>
           <a:extLst>
             <a:ext uri="{91240B29-F687-4f45-9708-019B960494DF}">
-              <a14:hiddenLine xmlns:a14="http://schemas.microsoft.com/office/drawing/2010/main" xmlns="" w="9525">
+              <a14:hiddenLine xmlns="" xmlns:a14="http://schemas.microsoft.com/office/drawing/2010/main" w="9525">
                 <a:solidFill>
                   <a:schemeClr val="tx1"/>
                 </a:solidFill>
@@ -10737,7 +10762,7 @@
               </a14:hiddenLine>
             </a:ext>
             <a:ext uri="{AF507438-7753-43e0-B8FC-AC1667EBCBE1}">
-              <a14:hiddenEffects xmlns:a14="http://schemas.microsoft.com/office/drawing/2010/main" xmlns="">
+              <a14:hiddenEffects xmlns="" xmlns:a14="http://schemas.microsoft.com/office/drawing/2010/main">
                 <a:effectLst>
                   <a:outerShdw dist="35921" dir="2700000" algn="ctr" rotWithShape="0">
                     <a:schemeClr val="bg2"/>
@@ -11090,7 +11115,7 @@
           <a:noFill/>
           <a:extLst>
             <a:ext uri="{909E8E84-426E-40dd-AFC4-6F175D3DCCD1}">
-              <a14:hiddenFill xmlns:a14="http://schemas.microsoft.com/office/drawing/2010/main" xmlns="">
+              <a14:hiddenFill xmlns="" xmlns:a14="http://schemas.microsoft.com/office/drawing/2010/main">
                 <a:solidFill>
                   <a:srgbClr val="FFFFFF"/>
                 </a:solidFill>
@@ -12408,11 +12433,7 @@
           <a:p>
             <a:r>
               <a:rPr lang="en-US" dirty="0" smtClean="0"/>
-              <a:t>STEP 2: Click on Open and select a sound </a:t>
-            </a:r>
-            <a:r>
-              <a:rPr lang="en-US" dirty="0" smtClean="0"/>
-              <a:t>file or record your own using the red button</a:t>
+              <a:t>STEP 2: Click on Open and select a sound file or record your own using the red button</a:t>
             </a:r>
             <a:endParaRPr lang="en-US" dirty="0"/>
           </a:p>

--- a/translations/en-us/beginner/CustomImagesSounds.pptx
+++ b/translations/en-us/beginner/CustomImagesSounds.pptx
@@ -7,10 +7,10 @@
     <p:sldMasterId id="2147483750" r:id="rId3"/>
   </p:sldMasterIdLst>
   <p:notesMasterIdLst>
-    <p:notesMasterId r:id="rId14"/>
+    <p:notesMasterId r:id="rId15"/>
   </p:notesMasterIdLst>
   <p:handoutMasterIdLst>
-    <p:handoutMasterId r:id="rId15"/>
+    <p:handoutMasterId r:id="rId16"/>
   </p:handoutMasterIdLst>
   <p:sldIdLst>
     <p:sldId id="426" r:id="rId4"/>
@@ -19,10 +19,11 @@
     <p:sldId id="421" r:id="rId7"/>
     <p:sldId id="422" r:id="rId8"/>
     <p:sldId id="420" r:id="rId9"/>
-    <p:sldId id="423" r:id="rId10"/>
-    <p:sldId id="424" r:id="rId11"/>
-    <p:sldId id="425" r:id="rId12"/>
-    <p:sldId id="401" r:id="rId13"/>
+    <p:sldId id="427" r:id="rId10"/>
+    <p:sldId id="423" r:id="rId11"/>
+    <p:sldId id="424" r:id="rId12"/>
+    <p:sldId id="425" r:id="rId13"/>
+    <p:sldId id="401" r:id="rId14"/>
   </p:sldIdLst>
   <p:sldSz cx="9144000" cy="6858000" type="screen4x3"/>
   <p:notesSz cx="6858000" cy="9144000"/>
@@ -222,7 +223,7 @@
           <a:p>
             <a:fld id="{F8D9B3D7-15CB-9343-AA49-EFB5A8F33F18}" type="datetimeFigureOut">
               <a:rPr lang="en-US" smtClean="0"/>
-              <a:t>7/19/16</a:t>
+              <a:t>9/11/16</a:t>
             </a:fld>
             <a:endParaRPr lang="en-US"/>
           </a:p>
@@ -388,7 +389,7 @@
           <a:p>
             <a:fld id="{FD3EFF1E-85A1-6640-AFB9-C38833E80A84}" type="datetimeFigureOut">
               <a:rPr lang="en-US" smtClean="0"/>
-              <a:t>7/19/16</a:t>
+              <a:t>9/11/16</a:t>
             </a:fld>
             <a:endParaRPr lang="en-US"/>
           </a:p>
@@ -806,7 +807,91 @@
           <a:p>
             <a:fld id="{13967457-1E83-1040-AFF7-8D09C473DBD5}" type="slidenum">
               <a:rPr lang="en-US" smtClean="0"/>
-              <a:t>8</a:t>
+              <a:t>7</a:t>
+            </a:fld>
+            <a:endParaRPr lang="en-US"/>
+          </a:p>
+        </p:txBody>
+      </p:sp>
+    </p:spTree>
+    <p:extLst>
+      <p:ext uri="{BB962C8B-B14F-4D97-AF65-F5344CB8AC3E}">
+        <p14:creationId xmlns:p14="http://schemas.microsoft.com/office/powerpoint/2010/main" val="927186106"/>
+      </p:ext>
+    </p:extLst>
+  </p:cSld>
+  <p:clrMapOvr>
+    <a:masterClrMapping/>
+  </p:clrMapOvr>
+</p:notes>
+</file>
+
+<file path=ppt/notesSlides/notesSlide3.xml><?xml version="1.0" encoding="utf-8"?>
+<p:notes xmlns:a="http://schemas.openxmlformats.org/drawingml/2006/main" xmlns:r="http://schemas.openxmlformats.org/officeDocument/2006/relationships" xmlns:p="http://schemas.openxmlformats.org/presentationml/2006/main">
+  <p:cSld>
+    <p:spTree>
+      <p:nvGrpSpPr>
+        <p:cNvPr id="1" name=""/>
+        <p:cNvGrpSpPr/>
+        <p:nvPr/>
+      </p:nvGrpSpPr>
+      <p:grpSpPr>
+        <a:xfrm>
+          <a:off x="0" y="0"/>
+          <a:ext cx="0" cy="0"/>
+          <a:chOff x="0" y="0"/>
+          <a:chExt cx="0" cy="0"/>
+        </a:xfrm>
+      </p:grpSpPr>
+      <p:sp>
+        <p:nvSpPr>
+          <p:cNvPr id="2" name="Slide Image Placeholder 1"/>
+          <p:cNvSpPr>
+            <a:spLocks noGrp="1" noRot="1" noChangeAspect="1"/>
+          </p:cNvSpPr>
+          <p:nvPr>
+            <p:ph type="sldImg"/>
+          </p:nvPr>
+        </p:nvSpPr>
+        <p:spPr/>
+      </p:sp>
+      <p:sp>
+        <p:nvSpPr>
+          <p:cNvPr id="3" name="Notes Placeholder 2"/>
+          <p:cNvSpPr>
+            <a:spLocks noGrp="1"/>
+          </p:cNvSpPr>
+          <p:nvPr>
+            <p:ph type="body" idx="1"/>
+          </p:nvPr>
+        </p:nvSpPr>
+        <p:spPr/>
+        <p:txBody>
+          <a:bodyPr/>
+          <a:lstStyle/>
+          <a:p>
+            <a:endParaRPr lang="en-US"/>
+          </a:p>
+        </p:txBody>
+      </p:sp>
+      <p:sp>
+        <p:nvSpPr>
+          <p:cNvPr id="4" name="Slide Number Placeholder 3"/>
+          <p:cNvSpPr>
+            <a:spLocks noGrp="1"/>
+          </p:cNvSpPr>
+          <p:nvPr>
+            <p:ph type="sldNum" sz="quarter" idx="10"/>
+          </p:nvPr>
+        </p:nvSpPr>
+        <p:spPr/>
+        <p:txBody>
+          <a:bodyPr/>
+          <a:lstStyle/>
+          <a:p>
+            <a:fld id="{13967457-1E83-1040-AFF7-8D09C473DBD5}" type="slidenum">
+              <a:rPr lang="en-US" smtClean="0"/>
+              <a:t>9</a:t>
             </a:fld>
             <a:endParaRPr lang="en-US"/>
           </a:p>
@@ -954,9 +1039,9 @@
           <a:bodyPr/>
           <a:lstStyle/>
           <a:p>
-            <a:fld id="{9387C848-F9A4-1740-BEF1-D94E8B96C272}" type="datetime1">
-              <a:rPr lang="en-US" smtClean="0"/>
-              <a:t>7/19/16</a:t>
+            <a:fld id="{C5906764-F429-4C44-ADEB-B5A320935278}" type="datetime1">
+              <a:rPr lang="en-US" smtClean="0"/>
+              <a:t>9/11/16</a:t>
             </a:fld>
             <a:endParaRPr lang="en-US"/>
           </a:p>
@@ -979,7 +1064,7 @@
           <a:p>
             <a:r>
               <a:rPr lang="en-US" smtClean="0"/>
-              <a:t>Copyright © EV3Lessons.com 2016 (Last edit: 7/04/2016)</a:t>
+              <a:t>Copyright © EV3Lessons.com 2016 (Last edit: 9/11/2016)</a:t>
             </a:r>
             <a:endParaRPr lang="en-US"/>
           </a:p>
@@ -1128,9 +1213,9 @@
           <a:bodyPr/>
           <a:lstStyle/>
           <a:p>
-            <a:fld id="{519F4535-A6BA-5042-995C-1E4486AA28C6}" type="datetime1">
-              <a:rPr lang="en-US" smtClean="0"/>
-              <a:t>7/19/16</a:t>
+            <a:fld id="{4803ACA8-12DB-8B44-97BF-01F943EC24A2}" type="datetime1">
+              <a:rPr lang="en-US" smtClean="0"/>
+              <a:t>9/11/16</a:t>
             </a:fld>
             <a:endParaRPr lang="en-US"/>
           </a:p>
@@ -1153,7 +1238,7 @@
           <a:p>
             <a:r>
               <a:rPr lang="en-US" smtClean="0"/>
-              <a:t>Copyright © EV3Lessons.com 2016 (Last edit: 7/04/2016)</a:t>
+              <a:t>Copyright © EV3Lessons.com 2016 (Last edit: 9/11/2016)</a:t>
             </a:r>
             <a:endParaRPr lang="en-US"/>
           </a:p>
@@ -1312,9 +1397,9 @@
           <a:bodyPr/>
           <a:lstStyle/>
           <a:p>
-            <a:fld id="{C29AC76D-C0D3-4749-8D98-F88BD4B4CFCA}" type="datetime1">
-              <a:rPr lang="en-US" smtClean="0"/>
-              <a:t>7/19/16</a:t>
+            <a:fld id="{47416F98-2860-C14A-AF64-9DD6EA1C6F2B}" type="datetime1">
+              <a:rPr lang="en-US" smtClean="0"/>
+              <a:t>9/11/16</a:t>
             </a:fld>
             <a:endParaRPr lang="en-US"/>
           </a:p>
@@ -1337,7 +1422,7 @@
           <a:p>
             <a:r>
               <a:rPr lang="en-US" smtClean="0"/>
-              <a:t>Copyright © EV3Lessons.com 2016 (Last edit: 7/04/2016)</a:t>
+              <a:t>Copyright © EV3Lessons.com 2016 (Last edit: 9/11/2016)</a:t>
             </a:r>
             <a:endParaRPr lang="en-US"/>
           </a:p>
@@ -1529,9 +1614,9 @@
           <a:bodyPr/>
           <a:lstStyle/>
           <a:p>
-            <a:fld id="{554BDD72-45D5-B64F-ACC0-9C7C112C5ECC}" type="datetime1">
-              <a:rPr lang="en-US" smtClean="0"/>
-              <a:t>7/19/16</a:t>
+            <a:fld id="{B7B15D7F-7ADA-2E40-9DD6-22F5B14DE3EC}" type="datetime1">
+              <a:rPr lang="en-US" smtClean="0"/>
+              <a:t>9/11/16</a:t>
             </a:fld>
             <a:endParaRPr lang="en-US"/>
           </a:p>
@@ -1559,7 +1644,7 @@
           <a:p>
             <a:r>
               <a:rPr lang="en-US" smtClean="0"/>
-              <a:t>Copyright © EV3Lessons.com 2016 (Last edit: 7/04/2016)</a:t>
+              <a:t>Copyright © EV3Lessons.com 2016 (Last edit: 9/11/2016)</a:t>
             </a:r>
             <a:endParaRPr lang="en-US"/>
           </a:p>
@@ -1730,7 +1815,7 @@
           <a:blip r:embed="rId2">
             <a:extLst>
               <a:ext uri="{28A0092B-C50C-407E-A947-70E740481C1C}">
-                <a14:useLocalDpi xmlns:a14="http://schemas.microsoft.com/office/drawing/2010/main" val="0"/>
+                <a14:useLocalDpi xmlns:a14="http://schemas.microsoft.com/office/drawing/2010/main"/>
               </a:ext>
             </a:extLst>
           </a:blip>
@@ -1750,7 +1835,7 @@
           <a:noFill/>
           <a:extLst>
             <a:ext uri="{909E8E84-426E-40dd-AFC4-6F175D3DCCD1}">
-              <a14:hiddenFill xmlns="" xmlns:a14="http://schemas.microsoft.com/office/drawing/2010/main">
+              <a14:hiddenFill xmlns:a14="http://schemas.microsoft.com/office/drawing/2010/main" xmlns="">
                 <a:solidFill>
                   <a:srgbClr val="FFFFFF"/>
                 </a:solidFill>
@@ -2080,9 +2165,9 @@
           <a:bodyPr/>
           <a:lstStyle/>
           <a:p>
-            <a:fld id="{215CE4A5-41CF-9740-9419-8E5FA9F25605}" type="datetime1">
-              <a:rPr lang="en-US" smtClean="0"/>
-              <a:t>7/19/16</a:t>
+            <a:fld id="{83F14012-E28D-9A48-BCC4-57A934C9C6E8}" type="datetime1">
+              <a:rPr lang="en-US" smtClean="0"/>
+              <a:t>9/11/16</a:t>
             </a:fld>
             <a:endParaRPr lang="en-US"/>
           </a:p>
@@ -2105,7 +2190,7 @@
           <a:p>
             <a:r>
               <a:rPr lang="en-US" smtClean="0"/>
-              <a:t>Copyright © EV3Lessons.com 2016 (Last edit: 7/04/2016)</a:t>
+              <a:t>Copyright © EV3Lessons.com 2016 (Last edit: 9/11/2016)</a:t>
             </a:r>
             <a:endParaRPr lang="en-US"/>
           </a:p>
@@ -2353,9 +2438,9 @@
           <a:bodyPr/>
           <a:lstStyle/>
           <a:p>
-            <a:fld id="{3A1C2AD1-C620-F040-AC8F-15DD6E3E2E18}" type="datetime1">
-              <a:rPr lang="en-US" smtClean="0"/>
-              <a:t>7/19/16</a:t>
+            <a:fld id="{243D60F1-77FD-D44D-9E5E-E014199770CF}" type="datetime1">
+              <a:rPr lang="en-US" smtClean="0"/>
+              <a:t>9/11/16</a:t>
             </a:fld>
             <a:endParaRPr lang="en-US"/>
           </a:p>
@@ -2409,7 +2494,7 @@
           <a:p>
             <a:r>
               <a:rPr lang="en-US" smtClean="0"/>
-              <a:t>Copyright © EV3Lessons.com 2016 (Last edit: 7/04/2016)</a:t>
+              <a:t>Copyright © EV3Lessons.com 2016 (Last edit: 9/11/2016)</a:t>
             </a:r>
             <a:endParaRPr lang="en-US"/>
           </a:p>
@@ -2658,9 +2743,9 @@
           <a:bodyPr/>
           <a:lstStyle/>
           <a:p>
-            <a:fld id="{690392C4-0187-0847-9034-C42781840BC3}" type="datetime1">
-              <a:rPr lang="en-US" smtClean="0"/>
-              <a:t>7/19/16</a:t>
+            <a:fld id="{F5E885EC-A4C8-CF40-A44C-EFD9D1FFC1BF}" type="datetime1">
+              <a:rPr lang="en-US" smtClean="0"/>
+              <a:t>9/11/16</a:t>
             </a:fld>
             <a:endParaRPr lang="en-US"/>
           </a:p>
@@ -2683,7 +2768,7 @@
           <a:p>
             <a:r>
               <a:rPr lang="en-US" smtClean="0"/>
-              <a:t>Copyright © EV3Lessons.com 2016 (Last edit: 7/04/2016)</a:t>
+              <a:t>Copyright © EV3Lessons.com 2016 (Last edit: 9/11/2016)</a:t>
             </a:r>
             <a:endParaRPr lang="en-US"/>
           </a:p>
@@ -3121,9 +3206,9 @@
           <a:bodyPr/>
           <a:lstStyle/>
           <a:p>
-            <a:fld id="{770D91D9-7FF5-2D4F-BDB6-3C63EEE76122}" type="datetime1">
-              <a:rPr lang="en-US" smtClean="0"/>
-              <a:t>7/19/16</a:t>
+            <a:fld id="{83FE5C94-0AE4-EC4D-849C-F3F15553512B}" type="datetime1">
+              <a:rPr lang="en-US" smtClean="0"/>
+              <a:t>9/11/16</a:t>
             </a:fld>
             <a:endParaRPr lang="en-US"/>
           </a:p>
@@ -3146,7 +3231,7 @@
           <a:p>
             <a:r>
               <a:rPr lang="en-US" smtClean="0"/>
-              <a:t>Copyright © EV3Lessons.com 2016 (Last edit: 7/04/2016)</a:t>
+              <a:t>Copyright © EV3Lessons.com 2016 (Last edit: 9/11/2016)</a:t>
             </a:r>
             <a:endParaRPr lang="en-US"/>
           </a:p>
@@ -3258,9 +3343,9 @@
           <a:bodyPr/>
           <a:lstStyle/>
           <a:p>
-            <a:fld id="{194651B9-E077-CB4F-B249-BCBC5B92F741}" type="datetime1">
-              <a:rPr lang="en-US" smtClean="0"/>
-              <a:t>7/19/16</a:t>
+            <a:fld id="{CE10C574-2A10-7440-97F3-F98AF176B58D}" type="datetime1">
+              <a:rPr lang="en-US" smtClean="0"/>
+              <a:t>9/11/16</a:t>
             </a:fld>
             <a:endParaRPr lang="en-US"/>
           </a:p>
@@ -3283,7 +3368,7 @@
           <a:p>
             <a:r>
               <a:rPr lang="en-US" smtClean="0"/>
-              <a:t>Copyright © EV3Lessons.com 2016 (Last edit: 7/04/2016)</a:t>
+              <a:t>Copyright © EV3Lessons.com 2016 (Last edit: 9/11/2016)</a:t>
             </a:r>
             <a:endParaRPr lang="en-US"/>
           </a:p>
@@ -3372,9 +3457,9 @@
           <a:bodyPr/>
           <a:lstStyle/>
           <a:p>
-            <a:fld id="{01AAC732-C1E6-0B48-AAAC-3DCB08DB0142}" type="datetime1">
-              <a:rPr lang="en-US" smtClean="0"/>
-              <a:t>7/19/16</a:t>
+            <a:fld id="{5D07429F-C207-3E4C-AB22-F6754E74C9A1}" type="datetime1">
+              <a:rPr lang="en-US" smtClean="0"/>
+              <a:t>9/11/16</a:t>
             </a:fld>
             <a:endParaRPr lang="en-US"/>
           </a:p>
@@ -3397,7 +3482,7 @@
           <a:p>
             <a:r>
               <a:rPr lang="en-US" smtClean="0"/>
-              <a:t>Copyright © EV3Lessons.com 2016 (Last edit: 7/04/2016)</a:t>
+              <a:t>Copyright © EV3Lessons.com 2016 (Last edit: 9/11/2016)</a:t>
             </a:r>
             <a:endParaRPr lang="en-US"/>
           </a:p>
@@ -3631,9 +3716,9 @@
           <a:bodyPr/>
           <a:lstStyle/>
           <a:p>
-            <a:fld id="{665A56FD-FFA4-EF47-A4F8-202D983F3F65}" type="datetime1">
-              <a:rPr lang="en-US" smtClean="0"/>
-              <a:t>7/19/16</a:t>
+            <a:fld id="{8B30D5C9-295A-EA42-A1AB-104FF1EA1A60}" type="datetime1">
+              <a:rPr lang="en-US" smtClean="0"/>
+              <a:t>9/11/16</a:t>
             </a:fld>
             <a:endParaRPr lang="en-US"/>
           </a:p>
@@ -3656,7 +3741,7 @@
           <a:p>
             <a:r>
               <a:rPr lang="en-US" smtClean="0"/>
-              <a:t>Copyright © EV3Lessons.com 2016 (Last edit: 7/04/2016)</a:t>
+              <a:t>Copyright © EV3Lessons.com 2016 (Last edit: 9/11/2016)</a:t>
             </a:r>
             <a:endParaRPr lang="en-US"/>
           </a:p>
@@ -3836,9 +3921,9 @@
           <a:bodyPr/>
           <a:lstStyle/>
           <a:p>
-            <a:fld id="{05B081E1-9DD9-C749-96E2-5C4B8C23F648}" type="datetime1">
-              <a:rPr lang="en-US" smtClean="0"/>
-              <a:t>7/19/16</a:t>
+            <a:fld id="{F72E9FFC-D20E-A049-80CF-66E6155070CC}" type="datetime1">
+              <a:rPr lang="en-US" smtClean="0"/>
+              <a:t>9/11/16</a:t>
             </a:fld>
             <a:endParaRPr lang="en-US"/>
           </a:p>
@@ -3861,7 +3946,7 @@
           <a:p>
             <a:r>
               <a:rPr lang="en-US" smtClean="0"/>
-              <a:t>Copyright © EV3Lessons.com 2016 (Last edit: 7/04/2016)</a:t>
+              <a:t>Copyright © EV3Lessons.com 2016 (Last edit: 9/11/2016)</a:t>
             </a:r>
             <a:endParaRPr lang="en-US"/>
           </a:p>
@@ -4116,9 +4201,9 @@
           <a:bodyPr/>
           <a:lstStyle/>
           <a:p>
-            <a:fld id="{46A73A77-3A71-5247-815D-F0BF4C215518}" type="datetime1">
-              <a:rPr lang="en-US" smtClean="0"/>
-              <a:t>7/19/16</a:t>
+            <a:fld id="{FB650C1D-DE7E-8942-81F9-ADF982A10F6E}" type="datetime1">
+              <a:rPr lang="en-US" smtClean="0"/>
+              <a:t>9/11/16</a:t>
             </a:fld>
             <a:endParaRPr lang="en-US"/>
           </a:p>
@@ -4141,7 +4226,7 @@
           <a:p>
             <a:r>
               <a:rPr lang="en-US" smtClean="0"/>
-              <a:t>Copyright © EV3Lessons.com 2016 (Last edit: 7/04/2016)</a:t>
+              <a:t>Copyright © EV3Lessons.com 2016 (Last edit: 9/11/2016)</a:t>
             </a:r>
             <a:endParaRPr lang="en-US"/>
           </a:p>
@@ -4386,9 +4471,9 @@
           <a:bodyPr/>
           <a:lstStyle/>
           <a:p>
-            <a:fld id="{F89E0FCD-2DD8-2949-BECC-6EE1F6C936A7}" type="datetime1">
-              <a:rPr lang="en-US" smtClean="0"/>
-              <a:t>7/19/16</a:t>
+            <a:fld id="{A170E993-A3B8-484D-A991-3B7C5ADDE57B}" type="datetime1">
+              <a:rPr lang="en-US" smtClean="0"/>
+              <a:t>9/11/16</a:t>
             </a:fld>
             <a:endParaRPr lang="en-US"/>
           </a:p>
@@ -4411,7 +4496,7 @@
           <a:p>
             <a:r>
               <a:rPr lang="en-US" smtClean="0"/>
-              <a:t>Copyright © EV3Lessons.com 2016 (Last edit: 7/04/2016)</a:t>
+              <a:t>Copyright © EV3Lessons.com 2016 (Last edit: 9/11/2016)</a:t>
             </a:r>
             <a:endParaRPr lang="en-US"/>
           </a:p>
@@ -4578,9 +4663,9 @@
           <a:bodyPr/>
           <a:lstStyle/>
           <a:p>
-            <a:fld id="{DF7196CA-BAD1-A545-8313-92CAEB2BFD46}" type="datetime1">
-              <a:rPr lang="en-US" smtClean="0"/>
-              <a:t>7/19/16</a:t>
+            <a:fld id="{DFB7D3BC-874D-914C-81FD-345F9972F84E}" type="datetime1">
+              <a:rPr lang="en-US" smtClean="0"/>
+              <a:t>9/11/16</a:t>
             </a:fld>
             <a:endParaRPr lang="en-US"/>
           </a:p>
@@ -4603,7 +4688,7 @@
           <a:p>
             <a:r>
               <a:rPr lang="en-US" smtClean="0"/>
-              <a:t>Copyright © EV3Lessons.com 2016 (Last edit: 7/04/2016)</a:t>
+              <a:t>Copyright © EV3Lessons.com 2016 (Last edit: 9/11/2016)</a:t>
             </a:r>
             <a:endParaRPr lang="en-US"/>
           </a:p>
@@ -4782,9 +4867,9 @@
           <a:bodyPr/>
           <a:lstStyle/>
           <a:p>
-            <a:fld id="{AA7D07DD-2106-8741-92C2-F0AF7719ED70}" type="datetime1">
-              <a:rPr lang="en-US" smtClean="0"/>
-              <a:t>7/19/16</a:t>
+            <a:fld id="{C9C105DF-00F5-CE4B-8212-158B8730C78D}" type="datetime1">
+              <a:rPr lang="en-US" smtClean="0"/>
+              <a:t>9/11/16</a:t>
             </a:fld>
             <a:endParaRPr lang="en-US"/>
           </a:p>
@@ -4807,7 +4892,7 @@
           <a:p>
             <a:r>
               <a:rPr lang="en-US" smtClean="0"/>
-              <a:t>Copyright © EV3Lessons.com 2016 (Last edit: 7/04/2016)</a:t>
+              <a:t>Copyright © EV3Lessons.com 2016 (Last edit: 9/11/2016)</a:t>
             </a:r>
             <a:endParaRPr lang="en-US"/>
           </a:p>
@@ -4956,9 +5041,9 @@
           <a:bodyPr/>
           <a:lstStyle/>
           <a:p>
-            <a:fld id="{A5B71E5D-7D90-8343-8229-C40525E7F00C}" type="datetime1">
-              <a:rPr lang="en-US" smtClean="0"/>
-              <a:t>7/19/16</a:t>
+            <a:fld id="{2D816061-0097-DB4A-BADE-ABFE5479D517}" type="datetime1">
+              <a:rPr lang="en-US" smtClean="0"/>
+              <a:t>9/11/16</a:t>
             </a:fld>
             <a:endParaRPr lang="en-US"/>
           </a:p>
@@ -4981,7 +5066,7 @@
           <a:p>
             <a:r>
               <a:rPr lang="en-US" smtClean="0"/>
-              <a:t>Copyright © EV3Lessons.com 2016 (Last edit: 7/04/2016)</a:t>
+              <a:t>Copyright © EV3Lessons.com 2016 (Last edit: 9/11/2016)</a:t>
             </a:r>
             <a:endParaRPr lang="en-US"/>
           </a:p>
@@ -5206,9 +5291,9 @@
           <a:bodyPr/>
           <a:lstStyle/>
           <a:p>
-            <a:fld id="{FB63FCD2-5A3D-B242-A70B-801B71DCE415}" type="datetime1">
-              <a:rPr lang="en-US" smtClean="0"/>
-              <a:t>7/19/16</a:t>
+            <a:fld id="{68186CD6-6D6F-9941-BF37-95C55A54112E}" type="datetime1">
+              <a:rPr lang="en-US" smtClean="0"/>
+              <a:t>9/11/16</a:t>
             </a:fld>
             <a:endParaRPr lang="en-US"/>
           </a:p>
@@ -5231,7 +5316,7 @@
           <a:p>
             <a:r>
               <a:rPr lang="en-US" smtClean="0"/>
-              <a:t>Copyright © EV3Lessons.com 2016 (Last edit: 7/04/2016)</a:t>
+              <a:t>Copyright © EV3Lessons.com 2016 (Last edit: 9/11/2016)</a:t>
             </a:r>
             <a:endParaRPr lang="en-US"/>
           </a:p>
@@ -5442,9 +5527,9 @@
           <a:bodyPr/>
           <a:lstStyle/>
           <a:p>
-            <a:fld id="{AC9D69EC-401C-1745-BE3E-1000C63324C4}" type="datetime1">
-              <a:rPr lang="en-US" smtClean="0"/>
-              <a:t>7/19/16</a:t>
+            <a:fld id="{A40C7E93-6B14-104A-80C2-8CA3B25F04C6}" type="datetime1">
+              <a:rPr lang="en-US" smtClean="0"/>
+              <a:t>9/11/16</a:t>
             </a:fld>
             <a:endParaRPr lang="en-US"/>
           </a:p>
@@ -5467,7 +5552,7 @@
           <a:p>
             <a:r>
               <a:rPr lang="en-US" smtClean="0"/>
-              <a:t>Copyright © EV3Lessons.com 2016 (Last edit: 7/04/2016)</a:t>
+              <a:t>Copyright © EV3Lessons.com 2016 (Last edit: 9/11/2016)</a:t>
             </a:r>
             <a:endParaRPr lang="en-US"/>
           </a:p>
@@ -5813,9 +5898,9 @@
           <a:bodyPr/>
           <a:lstStyle/>
           <a:p>
-            <a:fld id="{0E09D221-8118-C44F-9A78-43122CFF5B9E}" type="datetime1">
-              <a:rPr lang="en-US" smtClean="0"/>
-              <a:t>7/19/16</a:t>
+            <a:fld id="{7F4870F6-61A5-7548-80A6-6DE4C4A42405}" type="datetime1">
+              <a:rPr lang="en-US" smtClean="0"/>
+              <a:t>9/11/16</a:t>
             </a:fld>
             <a:endParaRPr lang="en-US"/>
           </a:p>
@@ -5838,7 +5923,7 @@
           <a:p>
             <a:r>
               <a:rPr lang="en-US" smtClean="0"/>
-              <a:t>Copyright © EV3Lessons.com 2016 (Last edit: 7/04/2016)</a:t>
+              <a:t>Copyright © EV3Lessons.com 2016 (Last edit: 9/11/2016)</a:t>
             </a:r>
             <a:endParaRPr lang="en-US"/>
           </a:p>
@@ -5935,9 +6020,9 @@
           <a:bodyPr/>
           <a:lstStyle/>
           <a:p>
-            <a:fld id="{9FBF6A28-4906-EE42-8C80-455F884C1D53}" type="datetime1">
-              <a:rPr lang="en-US" smtClean="0"/>
-              <a:t>7/19/16</a:t>
+            <a:fld id="{70EC6D47-FCDB-CF4E-8600-40B9B6E1AFD9}" type="datetime1">
+              <a:rPr lang="en-US" smtClean="0"/>
+              <a:t>9/11/16</a:t>
             </a:fld>
             <a:endParaRPr lang="en-US"/>
           </a:p>
@@ -5960,7 +6045,7 @@
           <a:p>
             <a:r>
               <a:rPr lang="en-US" smtClean="0"/>
-              <a:t>Copyright © EV3Lessons.com 2016 (Last edit: 7/04/2016)</a:t>
+              <a:t>Copyright © EV3Lessons.com 2016 (Last edit: 9/11/2016)</a:t>
             </a:r>
             <a:endParaRPr lang="en-US"/>
           </a:p>
@@ -6034,9 +6119,9 @@
           <a:bodyPr/>
           <a:lstStyle/>
           <a:p>
-            <a:fld id="{B39B5366-1E3B-C043-A870-CE4C46302526}" type="datetime1">
-              <a:rPr lang="en-US" smtClean="0"/>
-              <a:t>7/19/16</a:t>
+            <a:fld id="{4BD332A7-6911-3C47-9447-69E71075A29A}" type="datetime1">
+              <a:rPr lang="en-US" smtClean="0"/>
+              <a:t>9/11/16</a:t>
             </a:fld>
             <a:endParaRPr lang="en-US"/>
           </a:p>
@@ -6059,7 +6144,7 @@
           <a:p>
             <a:r>
               <a:rPr lang="en-US" smtClean="0"/>
-              <a:t>Copyright © EV3Lessons.com 2016 (Last edit: 7/04/2016)</a:t>
+              <a:t>Copyright © EV3Lessons.com 2016 (Last edit: 9/11/2016)</a:t>
             </a:r>
             <a:endParaRPr lang="en-US"/>
           </a:p>
@@ -6284,9 +6369,9 @@
           <a:bodyPr/>
           <a:lstStyle/>
           <a:p>
-            <a:fld id="{FB3AB238-7423-9E49-A6FE-1F0B988ECC41}" type="datetime1">
-              <a:rPr lang="en-US" smtClean="0"/>
-              <a:t>7/19/16</a:t>
+            <a:fld id="{AA8DEA82-4C6F-C54E-9349-1248281657E0}" type="datetime1">
+              <a:rPr lang="en-US" smtClean="0"/>
+              <a:t>9/11/16</a:t>
             </a:fld>
             <a:endParaRPr lang="en-US"/>
           </a:p>
@@ -6309,7 +6394,7 @@
           <a:p>
             <a:r>
               <a:rPr lang="en-US" smtClean="0"/>
-              <a:t>Copyright © EV3Lessons.com 2016 (Last edit: 7/04/2016)</a:t>
+              <a:t>Copyright © EV3Lessons.com 2016 (Last edit: 9/11/2016)</a:t>
             </a:r>
             <a:endParaRPr lang="en-US"/>
           </a:p>
@@ -6565,9 +6650,9 @@
           <a:bodyPr/>
           <a:lstStyle/>
           <a:p>
-            <a:fld id="{94AD532A-31CF-EF45-8554-B8DBAB70B832}" type="datetime1">
-              <a:rPr lang="en-US" smtClean="0"/>
-              <a:t>7/19/16</a:t>
+            <a:fld id="{1F94395E-AFA3-B24B-9321-99D4ECCE0398}" type="datetime1">
+              <a:rPr lang="en-US" smtClean="0"/>
+              <a:t>9/11/16</a:t>
             </a:fld>
             <a:endParaRPr lang="en-US"/>
           </a:p>
@@ -6590,7 +6675,7 @@
           <a:p>
             <a:r>
               <a:rPr lang="en-US" smtClean="0"/>
-              <a:t>Copyright © EV3Lessons.com 2016 (Last edit: 7/04/2016)</a:t>
+              <a:t>Copyright © EV3Lessons.com 2016 (Last edit: 9/11/2016)</a:t>
             </a:r>
             <a:endParaRPr lang="en-US"/>
           </a:p>
@@ -6826,9 +6911,9 @@
           <a:bodyPr/>
           <a:lstStyle/>
           <a:p>
-            <a:fld id="{A64E0AA7-3FD1-A54B-BD49-E7981AE79623}" type="datetime1">
-              <a:rPr lang="en-US" smtClean="0"/>
-              <a:t>7/19/16</a:t>
+            <a:fld id="{E3E0D2C9-5D41-E84B-A11A-6C09FA941CDA}" type="datetime1">
+              <a:rPr lang="en-US" smtClean="0"/>
+              <a:t>9/11/16</a:t>
             </a:fld>
             <a:endParaRPr lang="en-US"/>
           </a:p>
@@ -6851,7 +6936,7 @@
           <a:p>
             <a:r>
               <a:rPr lang="en-US" smtClean="0"/>
-              <a:t>Copyright © EV3Lessons.com 2016 (Last edit: 7/04/2016)</a:t>
+              <a:t>Copyright © EV3Lessons.com 2016 (Last edit: 9/11/2016)</a:t>
             </a:r>
             <a:endParaRPr lang="en-US"/>
           </a:p>
@@ -7000,9 +7085,9 @@
           <a:bodyPr/>
           <a:lstStyle/>
           <a:p>
-            <a:fld id="{F32E51A7-DD62-AC49-A09B-EA0A28321534}" type="datetime1">
-              <a:rPr lang="en-US" smtClean="0"/>
-              <a:t>7/19/16</a:t>
+            <a:fld id="{72770C3D-50D9-3C40-A1B5-4620EFB563FC}" type="datetime1">
+              <a:rPr lang="en-US" smtClean="0"/>
+              <a:t>9/11/16</a:t>
             </a:fld>
             <a:endParaRPr lang="en-US"/>
           </a:p>
@@ -7025,7 +7110,7 @@
           <a:p>
             <a:r>
               <a:rPr lang="en-US" smtClean="0"/>
-              <a:t>Copyright © EV3Lessons.com 2016 (Last edit: 7/04/2016)</a:t>
+              <a:t>Copyright © EV3Lessons.com 2016 (Last edit: 9/11/2016)</a:t>
             </a:r>
             <a:endParaRPr lang="en-US"/>
           </a:p>
@@ -7184,9 +7269,9 @@
           <a:bodyPr/>
           <a:lstStyle/>
           <a:p>
-            <a:fld id="{9984DBD5-8CCD-1541-A097-7A2DA0832F9F}" type="datetime1">
-              <a:rPr lang="en-US" smtClean="0"/>
-              <a:t>7/19/16</a:t>
+            <a:fld id="{C294F105-88F3-A848-A5B1-045E736560B5}" type="datetime1">
+              <a:rPr lang="en-US" smtClean="0"/>
+              <a:t>9/11/16</a:t>
             </a:fld>
             <a:endParaRPr lang="en-US"/>
           </a:p>
@@ -7209,7 +7294,7 @@
           <a:p>
             <a:r>
               <a:rPr lang="en-US" smtClean="0"/>
-              <a:t>Copyright © EV3Lessons.com 2016 (Last edit: 7/04/2016)</a:t>
+              <a:t>Copyright © EV3Lessons.com 2016 (Last edit: 9/11/2016)</a:t>
             </a:r>
             <a:endParaRPr lang="en-US"/>
           </a:p>
@@ -7420,9 +7505,9 @@
           <a:bodyPr/>
           <a:lstStyle/>
           <a:p>
-            <a:fld id="{DB6830BF-4608-AB4D-BFE3-83AC32B4EDD0}" type="datetime1">
-              <a:rPr lang="en-US" smtClean="0"/>
-              <a:t>7/19/16</a:t>
+            <a:fld id="{ACC0E1AD-E6D3-064E-A039-152874CF8A53}" type="datetime1">
+              <a:rPr lang="en-US" smtClean="0"/>
+              <a:t>9/11/16</a:t>
             </a:fld>
             <a:endParaRPr lang="en-US"/>
           </a:p>
@@ -7445,7 +7530,7 @@
           <a:p>
             <a:r>
               <a:rPr lang="en-US" smtClean="0"/>
-              <a:t>Copyright © EV3Lessons.com 2016 (Last edit: 7/04/2016)</a:t>
+              <a:t>Copyright © EV3Lessons.com 2016 (Last edit: 9/11/2016)</a:t>
             </a:r>
             <a:endParaRPr lang="en-US"/>
           </a:p>
@@ -7791,9 +7876,9 @@
           <a:bodyPr/>
           <a:lstStyle/>
           <a:p>
-            <a:fld id="{9B017E44-3FD1-4241-AF9F-94DB0B3C1599}" type="datetime1">
-              <a:rPr lang="en-US" smtClean="0"/>
-              <a:t>7/19/16</a:t>
+            <a:fld id="{C99FE2BB-52AC-034D-9826-2542204A9B05}" type="datetime1">
+              <a:rPr lang="en-US" smtClean="0"/>
+              <a:t>9/11/16</a:t>
             </a:fld>
             <a:endParaRPr lang="en-US"/>
           </a:p>
@@ -7816,7 +7901,7 @@
           <a:p>
             <a:r>
               <a:rPr lang="en-US" smtClean="0"/>
-              <a:t>Copyright © EV3Lessons.com 2016 (Last edit: 7/04/2016)</a:t>
+              <a:t>Copyright © EV3Lessons.com 2016 (Last edit: 9/11/2016)</a:t>
             </a:r>
             <a:endParaRPr lang="en-US"/>
           </a:p>
@@ -7913,9 +7998,9 @@
           <a:bodyPr/>
           <a:lstStyle/>
           <a:p>
-            <a:fld id="{BC5741C7-98D2-D843-A050-CA233DFF3160}" type="datetime1">
-              <a:rPr lang="en-US" smtClean="0"/>
-              <a:t>7/19/16</a:t>
+            <a:fld id="{25FAC9C6-1209-EB4E-A016-113DABB47F9F}" type="datetime1">
+              <a:rPr lang="en-US" smtClean="0"/>
+              <a:t>9/11/16</a:t>
             </a:fld>
             <a:endParaRPr lang="en-US"/>
           </a:p>
@@ -7938,7 +8023,7 @@
           <a:p>
             <a:r>
               <a:rPr lang="en-US" smtClean="0"/>
-              <a:t>Copyright © EV3Lessons.com 2016 (Last edit: 7/04/2016)</a:t>
+              <a:t>Copyright © EV3Lessons.com 2016 (Last edit: 9/11/2016)</a:t>
             </a:r>
             <a:endParaRPr lang="en-US"/>
           </a:p>
@@ -8012,9 +8097,9 @@
           <a:bodyPr/>
           <a:lstStyle/>
           <a:p>
-            <a:fld id="{08D0A721-B8BA-F24D-BD9E-D4CA63E0A187}" type="datetime1">
-              <a:rPr lang="en-US" smtClean="0"/>
-              <a:t>7/19/16</a:t>
+            <a:fld id="{28A59216-2276-7E45-854D-253E78414883}" type="datetime1">
+              <a:rPr lang="en-US" smtClean="0"/>
+              <a:t>9/11/16</a:t>
             </a:fld>
             <a:endParaRPr lang="en-US"/>
           </a:p>
@@ -8037,7 +8122,7 @@
           <a:p>
             <a:r>
               <a:rPr lang="en-US" smtClean="0"/>
-              <a:t>Copyright © EV3Lessons.com 2016 (Last edit: 7/04/2016)</a:t>
+              <a:t>Copyright © EV3Lessons.com 2016 (Last edit: 9/11/2016)</a:t>
             </a:r>
             <a:endParaRPr lang="en-US"/>
           </a:p>
@@ -8293,9 +8378,9 @@
           <a:bodyPr/>
           <a:lstStyle/>
           <a:p>
-            <a:fld id="{EBEE6C9B-A0F7-B94F-AC73-5550C9C363E1}" type="datetime1">
-              <a:rPr lang="en-US" smtClean="0"/>
-              <a:t>7/19/16</a:t>
+            <a:fld id="{88F58525-F76A-BF45-A828-F93739153269}" type="datetime1">
+              <a:rPr lang="en-US" smtClean="0"/>
+              <a:t>9/11/16</a:t>
             </a:fld>
             <a:endParaRPr lang="en-US"/>
           </a:p>
@@ -8318,7 +8403,7 @@
           <a:p>
             <a:r>
               <a:rPr lang="en-US" smtClean="0"/>
-              <a:t>Copyright © EV3Lessons.com 2016 (Last edit: 7/04/2016)</a:t>
+              <a:t>Copyright © EV3Lessons.com 2016 (Last edit: 9/11/2016)</a:t>
             </a:r>
             <a:endParaRPr lang="en-US"/>
           </a:p>
@@ -8550,9 +8635,9 @@
           <a:bodyPr/>
           <a:lstStyle/>
           <a:p>
-            <a:fld id="{540A00DC-C0AE-E343-9C66-8D355464AEDB}" type="datetime1">
-              <a:rPr lang="en-US" smtClean="0"/>
-              <a:t>7/19/16</a:t>
+            <a:fld id="{9479E451-AE2E-7741-AD76-2DB529CFFC3A}" type="datetime1">
+              <a:rPr lang="en-US" smtClean="0"/>
+              <a:t>9/11/16</a:t>
             </a:fld>
             <a:endParaRPr lang="en-US"/>
           </a:p>
@@ -8575,7 +8660,7 @@
           <a:p>
             <a:r>
               <a:rPr lang="en-US" smtClean="0"/>
-              <a:t>Copyright © EV3Lessons.com 2016 (Last edit: 7/04/2016)</a:t>
+              <a:t>Copyright © EV3Lessons.com 2016 (Last edit: 9/11/2016)</a:t>
             </a:r>
             <a:endParaRPr lang="en-US"/>
           </a:p>
@@ -8767,9 +8852,9 @@
             </a:lvl1pPr>
           </a:lstStyle>
           <a:p>
-            <a:fld id="{C892A812-364D-A24A-8A4E-FDE37E2CC5E9}" type="datetime1">
-              <a:rPr lang="en-US" smtClean="0"/>
-              <a:t>7/19/16</a:t>
+            <a:fld id="{A3931BFD-E9D8-F54D-B5D5-5ACD5AC0655E}" type="datetime1">
+              <a:rPr lang="en-US" smtClean="0"/>
+              <a:t>9/11/16</a:t>
             </a:fld>
             <a:endParaRPr lang="en-US"/>
           </a:p>
@@ -8810,7 +8895,7 @@
           <a:p>
             <a:r>
               <a:rPr lang="en-US" smtClean="0"/>
-              <a:t>Copyright © EV3Lessons.com 2016 (Last edit: 7/04/2016)</a:t>
+              <a:t>Copyright © EV3Lessons.com 2016 (Last edit: 9/11/2016)</a:t>
             </a:r>
             <a:endParaRPr lang="en-US"/>
           </a:p>
@@ -9310,9 +9395,9 @@
             </a:lvl1pPr>
           </a:lstStyle>
           <a:p>
-            <a:fld id="{11AAC15B-19EE-CE4D-A7CF-05EC0E0F9A11}" type="datetime1">
-              <a:rPr lang="en-US" smtClean="0"/>
-              <a:t>7/19/16</a:t>
+            <a:fld id="{9AD50491-3720-C449-B098-8B506817FCDE}" type="datetime1">
+              <a:rPr lang="en-US" smtClean="0"/>
+              <a:t>9/11/16</a:t>
             </a:fld>
             <a:endParaRPr lang="en-US"/>
           </a:p>
@@ -9351,7 +9436,7 @@
           <a:p>
             <a:r>
               <a:rPr lang="en-US" smtClean="0"/>
-              <a:t>Copyright © EV3Lessons.com 2016 (Last edit: 7/04/2016)</a:t>
+              <a:t>Copyright © EV3Lessons.com 2016 (Last edit: 9/11/2016)</a:t>
             </a:r>
             <a:endParaRPr lang="en-US" dirty="0"/>
           </a:p>
@@ -10075,9 +10160,9 @@
             </a:lvl1pPr>
           </a:lstStyle>
           <a:p>
-            <a:fld id="{80E37856-B191-AC44-904B-D86C9A9A7AF4}" type="datetime1">
-              <a:rPr lang="en-US" smtClean="0"/>
-              <a:t>7/19/16</a:t>
+            <a:fld id="{BFC178B2-B4C5-964D-927E-48C3D45B987D}" type="datetime1">
+              <a:rPr lang="en-US" smtClean="0"/>
+              <a:t>9/11/16</a:t>
             </a:fld>
             <a:endParaRPr lang="en-US"/>
           </a:p>
@@ -10118,7 +10203,7 @@
           <a:p>
             <a:r>
               <a:rPr lang="en-US" smtClean="0"/>
-              <a:t>Copyright © EV3Lessons.com 2016 (Last edit: 7/04/2016)</a:t>
+              <a:t>Copyright © EV3Lessons.com 2016 (Last edit: 9/11/2016)</a:t>
             </a:r>
             <a:endParaRPr lang="en-US"/>
           </a:p>
@@ -10543,14 +10628,14 @@
           <p:nvPr/>
         </p:nvPicPr>
         <p:blipFill rotWithShape="1">
-          <a:blip r:embed="rId3">
+          <a:blip r:embed="rId3" cstate="print">
             <a:extLst>
               <a:ext uri="{28A0092B-C50C-407E-A947-70E740481C1C}">
-                <a14:useLocalDpi xmlns:a14="http://schemas.microsoft.com/office/drawing/2010/main" val="0"/>
+                <a14:useLocalDpi xmlns:a14="http://schemas.microsoft.com/office/drawing/2010/main"/>
               </a:ext>
             </a:extLst>
           </a:blip>
-          <a:srcRect l="4523" t="17619" r="3095" b="25000"/>
+          <a:srcRect/>
           <a:stretch/>
         </p:blipFill>
         <p:spPr>
@@ -10603,6 +10688,254 @@
             <p:ph type="title"/>
           </p:nvPr>
         </p:nvSpPr>
+        <p:spPr/>
+        <p:txBody>
+          <a:bodyPr/>
+          <a:lstStyle/>
+          <a:p>
+            <a:r>
+              <a:rPr lang="en-US" dirty="0" smtClean="0"/>
+              <a:t>ADDING CUSTOM SOUNDS</a:t>
+            </a:r>
+            <a:endParaRPr lang="en-US" dirty="0"/>
+          </a:p>
+        </p:txBody>
+      </p:sp>
+      <p:sp>
+        <p:nvSpPr>
+          <p:cNvPr id="3" name="Content Placeholder 2"/>
+          <p:cNvSpPr>
+            <a:spLocks noGrp="1"/>
+          </p:cNvSpPr>
+          <p:nvPr>
+            <p:ph idx="1"/>
+          </p:nvPr>
+        </p:nvSpPr>
+        <p:spPr>
+          <a:xfrm>
+            <a:off x="457200" y="1752600"/>
+            <a:ext cx="4518212" cy="4373563"/>
+          </a:xfrm>
+        </p:spPr>
+        <p:txBody>
+          <a:bodyPr/>
+          <a:lstStyle/>
+          <a:p>
+            <a:r>
+              <a:rPr lang="en-US" dirty="0" smtClean="0"/>
+              <a:t>STEP 5: Save the file</a:t>
+            </a:r>
+          </a:p>
+          <a:p>
+            <a:endParaRPr lang="en-US" dirty="0"/>
+          </a:p>
+          <a:p>
+            <a:endParaRPr lang="en-US" dirty="0" smtClean="0"/>
+          </a:p>
+          <a:p>
+            <a:endParaRPr lang="en-US" dirty="0"/>
+          </a:p>
+          <a:p>
+            <a:r>
+              <a:rPr lang="en-US" dirty="0" smtClean="0"/>
+              <a:t>STEP 6: The sound will appear in the sound block</a:t>
+            </a:r>
+            <a:endParaRPr lang="en-US" dirty="0"/>
+          </a:p>
+        </p:txBody>
+      </p:sp>
+      <p:sp>
+        <p:nvSpPr>
+          <p:cNvPr id="4" name="Footer Placeholder 3"/>
+          <p:cNvSpPr>
+            <a:spLocks noGrp="1"/>
+          </p:cNvSpPr>
+          <p:nvPr>
+            <p:ph type="ftr" sz="quarter" idx="11"/>
+          </p:nvPr>
+        </p:nvSpPr>
+        <p:spPr/>
+        <p:txBody>
+          <a:bodyPr/>
+          <a:lstStyle/>
+          <a:p>
+            <a:r>
+              <a:rPr lang="en-US" smtClean="0"/>
+              <a:t>Copyright © EV3Lessons.com 2016 (Last edit: 9/11/2016)</a:t>
+            </a:r>
+            <a:endParaRPr lang="en-US"/>
+          </a:p>
+        </p:txBody>
+      </p:sp>
+      <p:sp>
+        <p:nvSpPr>
+          <p:cNvPr id="5" name="Slide Number Placeholder 4"/>
+          <p:cNvSpPr>
+            <a:spLocks noGrp="1"/>
+          </p:cNvSpPr>
+          <p:nvPr>
+            <p:ph type="sldNum" sz="quarter" idx="12"/>
+          </p:nvPr>
+        </p:nvSpPr>
+        <p:spPr/>
+        <p:txBody>
+          <a:bodyPr/>
+          <a:lstStyle/>
+          <a:p>
+            <a:fld id="{4DBC7FC8-25FB-FC45-8177-2B991DA6778C}" type="slidenum">
+              <a:rPr lang="en-US" smtClean="0"/>
+              <a:t>10</a:t>
+            </a:fld>
+            <a:endParaRPr lang="en-US"/>
+          </a:p>
+        </p:txBody>
+      </p:sp>
+      <p:pic>
+        <p:nvPicPr>
+          <p:cNvPr id="6" name="Picture 5"/>
+          <p:cNvPicPr>
+            <a:picLocks noChangeAspect="1"/>
+          </p:cNvPicPr>
+          <p:nvPr/>
+        </p:nvPicPr>
+        <p:blipFill>
+          <a:blip r:embed="rId2">
+            <a:extLst>
+              <a:ext uri="{28A0092B-C50C-407E-A947-70E740481C1C}">
+                <a14:useLocalDpi xmlns:a14="http://schemas.microsoft.com/office/drawing/2010/main"/>
+              </a:ext>
+            </a:extLst>
+          </a:blip>
+          <a:stretch>
+            <a:fillRect/>
+          </a:stretch>
+        </p:blipFill>
+        <p:spPr>
+          <a:xfrm>
+            <a:off x="3886200" y="2929201"/>
+            <a:ext cx="4800600" cy="3263900"/>
+          </a:xfrm>
+          <a:prstGeom prst="rect">
+            <a:avLst/>
+          </a:prstGeom>
+        </p:spPr>
+      </p:pic>
+      <p:pic>
+        <p:nvPicPr>
+          <p:cNvPr id="7" name="Picture 6"/>
+          <p:cNvPicPr>
+            <a:picLocks noChangeAspect="1"/>
+          </p:cNvPicPr>
+          <p:nvPr/>
+        </p:nvPicPr>
+        <p:blipFill>
+          <a:blip r:embed="rId3">
+            <a:extLst>
+              <a:ext uri="{28A0092B-C50C-407E-A947-70E740481C1C}">
+                <a14:useLocalDpi xmlns:a14="http://schemas.microsoft.com/office/drawing/2010/main"/>
+              </a:ext>
+            </a:extLst>
+          </a:blip>
+          <a:stretch>
+            <a:fillRect/>
+          </a:stretch>
+        </p:blipFill>
+        <p:spPr>
+          <a:xfrm>
+            <a:off x="4758249" y="1383712"/>
+            <a:ext cx="3699133" cy="887037"/>
+          </a:xfrm>
+          <a:prstGeom prst="rect">
+            <a:avLst/>
+          </a:prstGeom>
+        </p:spPr>
+      </p:pic>
+      <p:sp>
+        <p:nvSpPr>
+          <p:cNvPr id="11" name="Rounded Rectangle 10"/>
+          <p:cNvSpPr/>
+          <p:nvPr/>
+        </p:nvSpPr>
+        <p:spPr>
+          <a:xfrm>
+            <a:off x="5876365" y="3724835"/>
+            <a:ext cx="2702859" cy="255494"/>
+          </a:xfrm>
+          <a:prstGeom prst="roundRect">
+            <a:avLst/>
+          </a:prstGeom>
+          <a:noFill/>
+          <a:ln>
+            <a:solidFill>
+              <a:srgbClr val="FF0000"/>
+            </a:solidFill>
+          </a:ln>
+        </p:spPr>
+        <p:style>
+          <a:lnRef idx="2">
+            <a:schemeClr val="accent1">
+              <a:shade val="50000"/>
+            </a:schemeClr>
+          </a:lnRef>
+          <a:fillRef idx="1">
+            <a:schemeClr val="accent1"/>
+          </a:fillRef>
+          <a:effectRef idx="0">
+            <a:schemeClr val="accent1"/>
+          </a:effectRef>
+          <a:fontRef idx="minor">
+            <a:schemeClr val="lt1"/>
+          </a:fontRef>
+        </p:style>
+        <p:txBody>
+          <a:bodyPr rtlCol="0" anchor="ctr"/>
+          <a:lstStyle/>
+          <a:p>
+            <a:pPr algn="ctr"/>
+            <a:endParaRPr lang="en-US"/>
+          </a:p>
+        </p:txBody>
+      </p:sp>
+    </p:spTree>
+    <p:extLst>
+      <p:ext uri="{BB962C8B-B14F-4D97-AF65-F5344CB8AC3E}">
+        <p14:creationId xmlns:p14="http://schemas.microsoft.com/office/powerpoint/2010/main" val="34995183"/>
+      </p:ext>
+    </p:extLst>
+  </p:cSld>
+  <p:clrMapOvr>
+    <a:masterClrMapping/>
+  </p:clrMapOvr>
+</p:sld>
+</file>
+
+<file path=ppt/slides/slide11.xml><?xml version="1.0" encoding="utf-8"?>
+<p:sld xmlns:a="http://schemas.openxmlformats.org/drawingml/2006/main" xmlns:r="http://schemas.openxmlformats.org/officeDocument/2006/relationships" xmlns:p="http://schemas.openxmlformats.org/presentationml/2006/main">
+  <p:cSld>
+    <p:spTree>
+      <p:nvGrpSpPr>
+        <p:cNvPr id="1" name=""/>
+        <p:cNvGrpSpPr/>
+        <p:nvPr/>
+      </p:nvGrpSpPr>
+      <p:grpSpPr>
+        <a:xfrm>
+          <a:off x="0" y="0"/>
+          <a:ext cx="0" cy="0"/>
+          <a:chOff x="0" y="0"/>
+          <a:chExt cx="0" cy="0"/>
+        </a:xfrm>
+      </p:grpSpPr>
+      <p:sp>
+        <p:nvSpPr>
+          <p:cNvPr id="2" name="Title 1"/>
+          <p:cNvSpPr>
+            <a:spLocks noGrp="1"/>
+          </p:cNvSpPr>
+          <p:nvPr>
+            <p:ph type="title"/>
+          </p:nvPr>
+        </p:nvSpPr>
         <p:spPr>
           <a:xfrm>
             <a:off x="356665" y="439032"/>
@@ -10698,7 +11031,7 @@
           <a:p>
             <a:r>
               <a:rPr lang="en-US" smtClean="0"/>
-              <a:t>Copyright © EV3Lessons.com 2016 (Last edit: 7/04/2016)</a:t>
+              <a:t>Copyright © EV3Lessons.com 2016 (Last edit: 9/11/2016)</a:t>
             </a:r>
             <a:endParaRPr lang="en-US" dirty="0"/>
           </a:p>
@@ -10721,7 +11054,7 @@
           <a:p>
             <a:fld id="{4DBC7FC8-25FB-FC45-8177-2B991DA6778C}" type="slidenum">
               <a:rPr lang="en-US" smtClean="0"/>
-              <a:t>10</a:t>
+              <a:t>11</a:t>
             </a:fld>
             <a:endParaRPr lang="en-US"/>
           </a:p>
@@ -10752,7 +11085,7 @@
           <a:effectLst/>
           <a:extLst>
             <a:ext uri="{91240B29-F687-4f45-9708-019B960494DF}">
-              <a14:hiddenLine xmlns="" xmlns:a14="http://schemas.microsoft.com/office/drawing/2010/main" w="9525">
+              <a14:hiddenLine xmlns:a14="http://schemas.microsoft.com/office/drawing/2010/main" xmlns="" w="9525">
                 <a:solidFill>
                   <a:schemeClr val="tx1"/>
                 </a:solidFill>
@@ -10762,7 +11095,7 @@
               </a14:hiddenLine>
             </a:ext>
             <a:ext uri="{AF507438-7753-43e0-B8FC-AC1667EBCBE1}">
-              <a14:hiddenEffects xmlns="" xmlns:a14="http://schemas.microsoft.com/office/drawing/2010/main">
+              <a14:hiddenEffects xmlns:a14="http://schemas.microsoft.com/office/drawing/2010/main" xmlns="">
                 <a:effectLst>
                   <a:outerShdw dist="35921" dir="2700000" algn="ctr" rotWithShape="0">
                     <a:schemeClr val="bg2"/>
@@ -11115,7 +11448,7 @@
           <a:noFill/>
           <a:extLst>
             <a:ext uri="{909E8E84-426E-40dd-AFC4-6F175D3DCCD1}">
-              <a14:hiddenFill xmlns="" xmlns:a14="http://schemas.microsoft.com/office/drawing/2010/main">
+              <a14:hiddenFill xmlns:a14="http://schemas.microsoft.com/office/drawing/2010/main" xmlns="">
                 <a:solidFill>
                   <a:srgbClr val="FFFFFF"/>
                 </a:solidFill>
@@ -11227,7 +11560,7 @@
           <a:p>
             <a:r>
               <a:rPr lang="en-US" smtClean="0"/>
-              <a:t>Copyright © EV3Lessons.com 2016 (Last edit: 7/04/2016)</a:t>
+              <a:t>Copyright © EV3Lessons.com 2016 (Last edit: 9/11/2016)</a:t>
             </a:r>
             <a:endParaRPr lang="en-US"/>
           </a:p>
@@ -11443,7 +11776,7 @@
           <a:p>
             <a:r>
               <a:rPr lang="en-US" smtClean="0"/>
-              <a:t>Copyright © EV3Lessons.com 2016 (Last edit: 7/04/2016)</a:t>
+              <a:t>Copyright © EV3Lessons.com 2016 (Last edit: 9/11/2016)</a:t>
             </a:r>
             <a:endParaRPr lang="en-US" dirty="0"/>
           </a:p>
@@ -11696,7 +12029,7 @@
           <a:p>
             <a:r>
               <a:rPr lang="en-US" smtClean="0"/>
-              <a:t>Copyright © EV3Lessons.com 2016 (Last edit: 7/04/2016)</a:t>
+              <a:t>Copyright © EV3Lessons.com 2016 (Last edit: 9/11/2016)</a:t>
             </a:r>
             <a:endParaRPr lang="en-US"/>
           </a:p>
@@ -11982,7 +12315,7 @@
           <a:p>
             <a:r>
               <a:rPr lang="en-US" smtClean="0"/>
-              <a:t>Copyright © EV3Lessons.com 2016 (Last edit: 7/04/2016)</a:t>
+              <a:t>Copyright © EV3Lessons.com 2016 (Last edit: 9/11/2016)</a:t>
             </a:r>
             <a:endParaRPr lang="en-US"/>
           </a:p>
@@ -12230,7 +12563,7 @@
           <a:p>
             <a:r>
               <a:rPr lang="en-US" smtClean="0"/>
-              <a:t>Copyright © EV3Lessons.com 2016 (Last edit: 7/04/2016)</a:t>
+              <a:t>Copyright © EV3Lessons.com 2016 (Last edit: 9/11/2016)</a:t>
             </a:r>
             <a:endParaRPr lang="en-US"/>
           </a:p>
@@ -12373,151 +12706,9 @@
           <a:chExt cx="0" cy="0"/>
         </a:xfrm>
       </p:grpSpPr>
-      <p:sp>
-        <p:nvSpPr>
-          <p:cNvPr id="2" name="Title 1"/>
-          <p:cNvSpPr>
-            <a:spLocks noGrp="1"/>
-          </p:cNvSpPr>
-          <p:nvPr>
-            <p:ph type="title"/>
-          </p:nvPr>
-        </p:nvSpPr>
-        <p:spPr/>
-        <p:txBody>
-          <a:bodyPr/>
-          <a:lstStyle/>
-          <a:p>
-            <a:r>
-              <a:rPr lang="en-US" dirty="0" smtClean="0"/>
-              <a:t>ADDING CUSTOM SOUNDS</a:t>
-            </a:r>
-            <a:endParaRPr lang="en-US" dirty="0"/>
-          </a:p>
-        </p:txBody>
-      </p:sp>
-      <p:sp>
-        <p:nvSpPr>
-          <p:cNvPr id="3" name="Content Placeholder 2"/>
-          <p:cNvSpPr>
-            <a:spLocks noGrp="1"/>
-          </p:cNvSpPr>
-          <p:nvPr>
-            <p:ph idx="1"/>
-          </p:nvPr>
-        </p:nvSpPr>
-        <p:spPr>
-          <a:xfrm>
-            <a:off x="457200" y="1752600"/>
-            <a:ext cx="4518212" cy="4373563"/>
-          </a:xfrm>
-        </p:spPr>
-        <p:txBody>
-          <a:bodyPr/>
-          <a:lstStyle/>
-          <a:p>
-            <a:r>
-              <a:rPr lang="en-US" dirty="0" smtClean="0"/>
-              <a:t>STEP 1: Select Sound Editor from the Tools Menu </a:t>
-            </a:r>
-          </a:p>
-          <a:p>
-            <a:endParaRPr lang="en-US" dirty="0"/>
-          </a:p>
-          <a:p>
-            <a:endParaRPr lang="en-US" dirty="0" smtClean="0"/>
-          </a:p>
-          <a:p>
-            <a:endParaRPr lang="en-US" dirty="0"/>
-          </a:p>
-          <a:p>
-            <a:r>
-              <a:rPr lang="en-US" dirty="0" smtClean="0"/>
-              <a:t>STEP 2: Click on Open and select a sound file or record your own using the red button</a:t>
-            </a:r>
-            <a:endParaRPr lang="en-US" dirty="0"/>
-          </a:p>
-        </p:txBody>
-      </p:sp>
-      <p:sp>
-        <p:nvSpPr>
-          <p:cNvPr id="4" name="Footer Placeholder 3"/>
-          <p:cNvSpPr>
-            <a:spLocks noGrp="1"/>
-          </p:cNvSpPr>
-          <p:nvPr>
-            <p:ph type="ftr" sz="quarter" idx="11"/>
-          </p:nvPr>
-        </p:nvSpPr>
-        <p:spPr/>
-        <p:txBody>
-          <a:bodyPr/>
-          <a:lstStyle/>
-          <a:p>
-            <a:r>
-              <a:rPr lang="en-US" smtClean="0"/>
-              <a:t>Copyright © EV3Lessons.com 2016 (Last edit: 7/04/2016)</a:t>
-            </a:r>
-            <a:endParaRPr lang="en-US"/>
-          </a:p>
-        </p:txBody>
-      </p:sp>
-      <p:sp>
-        <p:nvSpPr>
-          <p:cNvPr id="5" name="Slide Number Placeholder 4"/>
-          <p:cNvSpPr>
-            <a:spLocks noGrp="1"/>
-          </p:cNvSpPr>
-          <p:nvPr>
-            <p:ph type="sldNum" sz="quarter" idx="12"/>
-          </p:nvPr>
-        </p:nvSpPr>
-        <p:spPr/>
-        <p:txBody>
-          <a:bodyPr/>
-          <a:lstStyle/>
-          <a:p>
-            <a:fld id="{4DBC7FC8-25FB-FC45-8177-2B991DA6778C}" type="slidenum">
-              <a:rPr lang="en-US" smtClean="0"/>
-              <a:t>7</a:t>
-            </a:fld>
-            <a:endParaRPr lang="en-US"/>
-          </a:p>
-        </p:txBody>
-      </p:sp>
       <p:pic>
         <p:nvPicPr>
-          <p:cNvPr id="6" name="Picture 5"/>
-          <p:cNvPicPr>
-            <a:picLocks noChangeAspect="1"/>
-          </p:cNvPicPr>
-          <p:nvPr/>
-        </p:nvPicPr>
-        <p:blipFill>
-          <a:blip r:embed="rId2">
-            <a:extLst>
-              <a:ext uri="{28A0092B-C50C-407E-A947-70E740481C1C}">
-                <a14:useLocalDpi xmlns:a14="http://schemas.microsoft.com/office/drawing/2010/main"/>
-              </a:ext>
-            </a:extLst>
-          </a:blip>
-          <a:stretch>
-            <a:fillRect/>
-          </a:stretch>
-        </p:blipFill>
-        <p:spPr>
-          <a:xfrm>
-            <a:off x="5062894" y="1752600"/>
-            <a:ext cx="3708117" cy="1818341"/>
-          </a:xfrm>
-          <a:prstGeom prst="rect">
-            <a:avLst/>
-          </a:prstGeom>
-        </p:spPr>
-      </p:pic>
-      <p:pic>
-        <p:nvPicPr>
-          <p:cNvPr id="7" name="Picture 6"/>
+          <p:cNvPr id="12" name="Picture 11"/>
           <p:cNvPicPr>
             <a:picLocks noChangeAspect="1"/>
           </p:cNvPicPr>
@@ -12537,48 +12728,371 @@
         </p:blipFill>
         <p:spPr>
           <a:xfrm>
-            <a:off x="4975412" y="3939381"/>
-            <a:ext cx="3133005" cy="2234453"/>
+            <a:off x="3240741" y="1465573"/>
+            <a:ext cx="5550062" cy="4832320"/>
           </a:xfrm>
           <a:prstGeom prst="rect">
             <a:avLst/>
           </a:prstGeom>
         </p:spPr>
       </p:pic>
-      <p:pic>
-        <p:nvPicPr>
-          <p:cNvPr id="8" name="Picture 7"/>
-          <p:cNvPicPr>
-            <a:picLocks noChangeAspect="1"/>
-          </p:cNvPicPr>
-          <p:nvPr/>
-        </p:nvPicPr>
-        <p:blipFill>
-          <a:blip r:embed="rId4">
-            <a:extLst>
-              <a:ext uri="{28A0092B-C50C-407E-A947-70E740481C1C}">
-                <a14:useLocalDpi xmlns:a14="http://schemas.microsoft.com/office/drawing/2010/main"/>
-              </a:ext>
-            </a:extLst>
-          </a:blip>
-          <a:stretch>
-            <a:fillRect/>
-          </a:stretch>
-        </p:blipFill>
+      <p:sp>
+        <p:nvSpPr>
+          <p:cNvPr id="2" name="Title 1"/>
+          <p:cNvSpPr>
+            <a:spLocks noGrp="1"/>
+          </p:cNvSpPr>
+          <p:nvPr>
+            <p:ph type="title"/>
+          </p:nvPr>
+        </p:nvSpPr>
+        <p:spPr/>
+        <p:txBody>
+          <a:bodyPr/>
+          <a:lstStyle/>
+          <a:p>
+            <a:r>
+              <a:rPr lang="en-US" dirty="0" smtClean="0"/>
+              <a:t>Sharing your RGF FILE</a:t>
+            </a:r>
+            <a:endParaRPr lang="en-US" dirty="0"/>
+          </a:p>
+        </p:txBody>
+      </p:sp>
+      <p:sp>
+        <p:nvSpPr>
+          <p:cNvPr id="3" name="Content Placeholder 2"/>
+          <p:cNvSpPr>
+            <a:spLocks noGrp="1"/>
+          </p:cNvSpPr>
+          <p:nvPr>
+            <p:ph idx="1"/>
+          </p:nvPr>
+        </p:nvSpPr>
         <p:spPr>
           <a:xfrm>
-            <a:off x="369718" y="5242634"/>
-            <a:ext cx="4518213" cy="535620"/>
-          </a:xfrm>
-          <a:prstGeom prst="rect">
+            <a:off x="207142" y="1326356"/>
+            <a:ext cx="3073940" cy="4799807"/>
+          </a:xfrm>
+        </p:spPr>
+        <p:txBody>
+          <a:bodyPr>
+            <a:normAutofit fontScale="92500" lnSpcReduction="10000"/>
+          </a:bodyPr>
+          <a:lstStyle/>
+          <a:p>
+            <a:pPr marL="342900" indent="-342900">
+              <a:buFont typeface="Arial" charset="0"/>
+              <a:buChar char="•"/>
+            </a:pPr>
+            <a:r>
+              <a:rPr lang="en-US" dirty="0" smtClean="0"/>
+              <a:t>Click on the wrench tool in your project</a:t>
+            </a:r>
+          </a:p>
+          <a:p>
+            <a:pPr marL="342900" indent="-342900">
+              <a:buFont typeface="Arial" charset="0"/>
+              <a:buChar char="•"/>
+            </a:pPr>
+            <a:r>
+              <a:rPr lang="en-US" dirty="0" smtClean="0"/>
+              <a:t>Select the Images Tab</a:t>
+            </a:r>
+          </a:p>
+          <a:p>
+            <a:pPr marL="342900" indent="-342900">
+              <a:buFont typeface="Arial" charset="0"/>
+              <a:buChar char="•"/>
+            </a:pPr>
+            <a:r>
+              <a:rPr lang="en-US" dirty="0" smtClean="0"/>
+              <a:t>Click on the .</a:t>
+            </a:r>
+            <a:r>
+              <a:rPr lang="en-US" dirty="0" err="1" smtClean="0"/>
+              <a:t>rgf</a:t>
+            </a:r>
+            <a:r>
+              <a:rPr lang="en-US" dirty="0" smtClean="0"/>
+              <a:t> file</a:t>
+            </a:r>
+          </a:p>
+          <a:p>
+            <a:pPr marL="342900" indent="-342900">
+              <a:buFont typeface="Arial" charset="0"/>
+              <a:buChar char="•"/>
+            </a:pPr>
+            <a:r>
+              <a:rPr lang="en-US" dirty="0" smtClean="0"/>
+              <a:t>Click on Export and save the file</a:t>
+            </a:r>
+          </a:p>
+          <a:p>
+            <a:pPr marL="342900" indent="-342900">
+              <a:buFont typeface="Arial" charset="0"/>
+              <a:buChar char="•"/>
+            </a:pPr>
+            <a:r>
+              <a:rPr lang="en-US" dirty="0" smtClean="0"/>
+              <a:t>You can now send this file to anyone you want to</a:t>
+            </a:r>
+          </a:p>
+          <a:p>
+            <a:pPr marL="342900" indent="-342900">
+              <a:buFont typeface="Arial" charset="0"/>
+              <a:buChar char="•"/>
+            </a:pPr>
+            <a:r>
+              <a:rPr lang="en-US" dirty="0" smtClean="0"/>
+              <a:t>If you want to add a .</a:t>
+            </a:r>
+            <a:r>
+              <a:rPr lang="en-US" dirty="0" err="1" smtClean="0"/>
+              <a:t>rgf</a:t>
+            </a:r>
+            <a:r>
+              <a:rPr lang="en-US" dirty="0" smtClean="0"/>
+              <a:t> file sent to you to your project, simply choose Import instead</a:t>
+            </a:r>
+            <a:endParaRPr lang="en-US" dirty="0"/>
+          </a:p>
+        </p:txBody>
+      </p:sp>
+      <p:sp>
+        <p:nvSpPr>
+          <p:cNvPr id="4" name="Footer Placeholder 3"/>
+          <p:cNvSpPr>
+            <a:spLocks noGrp="1"/>
+          </p:cNvSpPr>
+          <p:nvPr>
+            <p:ph type="ftr" sz="quarter" idx="11"/>
+          </p:nvPr>
+        </p:nvSpPr>
+        <p:spPr/>
+        <p:txBody>
+          <a:bodyPr/>
+          <a:lstStyle/>
+          <a:p>
+            <a:r>
+              <a:rPr lang="en-US" smtClean="0"/>
+              <a:t>Copyright © EV3Lessons.com 2016 (Last edit: 9/11/2016)</a:t>
+            </a:r>
+            <a:endParaRPr lang="en-US"/>
+          </a:p>
+        </p:txBody>
+      </p:sp>
+      <p:sp>
+        <p:nvSpPr>
+          <p:cNvPr id="5" name="Slide Number Placeholder 4"/>
+          <p:cNvSpPr>
+            <a:spLocks noGrp="1"/>
+          </p:cNvSpPr>
+          <p:nvPr>
+            <p:ph type="sldNum" sz="quarter" idx="12"/>
+          </p:nvPr>
+        </p:nvSpPr>
+        <p:spPr/>
+        <p:txBody>
+          <a:bodyPr/>
+          <a:lstStyle/>
+          <a:p>
+            <a:fld id="{4DBC7FC8-25FB-FC45-8177-2B991DA6778C}" type="slidenum">
+              <a:rPr lang="en-US" smtClean="0"/>
+              <a:t>7</a:t>
+            </a:fld>
+            <a:endParaRPr lang="en-US"/>
+          </a:p>
+        </p:txBody>
+      </p:sp>
+      <p:sp>
+        <p:nvSpPr>
+          <p:cNvPr id="7" name="Rounded Rectangle 6"/>
+          <p:cNvSpPr/>
+          <p:nvPr/>
+        </p:nvSpPr>
+        <p:spPr>
+          <a:xfrm>
+            <a:off x="3294529" y="1691826"/>
+            <a:ext cx="242047" cy="374015"/>
+          </a:xfrm>
+          <a:prstGeom prst="roundRect">
             <a:avLst/>
           </a:prstGeom>
-        </p:spPr>
-      </p:pic>
+          <a:noFill/>
+          <a:ln w="76200">
+            <a:solidFill>
+              <a:srgbClr val="FF0000"/>
+            </a:solidFill>
+          </a:ln>
+        </p:spPr>
+        <p:style>
+          <a:lnRef idx="2">
+            <a:schemeClr val="accent1">
+              <a:shade val="50000"/>
+            </a:schemeClr>
+          </a:lnRef>
+          <a:fillRef idx="1">
+            <a:schemeClr val="accent1"/>
+          </a:fillRef>
+          <a:effectRef idx="0">
+            <a:schemeClr val="accent1"/>
+          </a:effectRef>
+          <a:fontRef idx="minor">
+            <a:schemeClr val="lt1"/>
+          </a:fontRef>
+        </p:style>
+        <p:txBody>
+          <a:bodyPr rtlCol="0" anchor="ctr"/>
+          <a:lstStyle/>
+          <a:p>
+            <a:pPr algn="ctr"/>
+            <a:endParaRPr lang="en-US"/>
+          </a:p>
+        </p:txBody>
+      </p:sp>
+      <p:sp>
+        <p:nvSpPr>
+          <p:cNvPr id="8" name="Rounded Rectangle 7"/>
+          <p:cNvSpPr/>
+          <p:nvPr/>
+        </p:nvSpPr>
+        <p:spPr>
+          <a:xfrm>
+            <a:off x="4092385" y="3901622"/>
+            <a:ext cx="869580" cy="374015"/>
+          </a:xfrm>
+          <a:prstGeom prst="roundRect">
+            <a:avLst/>
+          </a:prstGeom>
+          <a:noFill/>
+          <a:ln w="76200">
+            <a:solidFill>
+              <a:srgbClr val="FF0000"/>
+            </a:solidFill>
+          </a:ln>
+        </p:spPr>
+        <p:style>
+          <a:lnRef idx="2">
+            <a:schemeClr val="accent1">
+              <a:shade val="50000"/>
+            </a:schemeClr>
+          </a:lnRef>
+          <a:fillRef idx="1">
+            <a:schemeClr val="accent1"/>
+          </a:fillRef>
+          <a:effectRef idx="0">
+            <a:schemeClr val="accent1"/>
+          </a:effectRef>
+          <a:fontRef idx="minor">
+            <a:schemeClr val="lt1"/>
+          </a:fontRef>
+        </p:style>
+        <p:txBody>
+          <a:bodyPr rtlCol="0" anchor="ctr"/>
+          <a:lstStyle/>
+          <a:p>
+            <a:pPr algn="ctr"/>
+            <a:endParaRPr lang="en-US"/>
+          </a:p>
+        </p:txBody>
+      </p:sp>
+      <p:sp>
+        <p:nvSpPr>
+          <p:cNvPr id="9" name="Rounded Rectangle 8"/>
+          <p:cNvSpPr/>
+          <p:nvPr/>
+        </p:nvSpPr>
+        <p:spPr>
+          <a:xfrm>
+            <a:off x="3343835" y="4282621"/>
+            <a:ext cx="1039905" cy="319387"/>
+          </a:xfrm>
+          <a:prstGeom prst="roundRect">
+            <a:avLst/>
+          </a:prstGeom>
+          <a:noFill/>
+          <a:ln w="76200">
+            <a:solidFill>
+              <a:srgbClr val="FF0000"/>
+            </a:solidFill>
+          </a:ln>
+        </p:spPr>
+        <p:style>
+          <a:lnRef idx="2">
+            <a:schemeClr val="accent1">
+              <a:shade val="50000"/>
+            </a:schemeClr>
+          </a:lnRef>
+          <a:fillRef idx="1">
+            <a:schemeClr val="accent1"/>
+          </a:fillRef>
+          <a:effectRef idx="0">
+            <a:schemeClr val="accent1"/>
+          </a:effectRef>
+          <a:fontRef idx="minor">
+            <a:schemeClr val="lt1"/>
+          </a:fontRef>
+        </p:style>
+        <p:txBody>
+          <a:bodyPr rtlCol="0" anchor="ctr"/>
+          <a:lstStyle/>
+          <a:p>
+            <a:pPr algn="ctr"/>
+            <a:endParaRPr lang="en-US"/>
+          </a:p>
+        </p:txBody>
+      </p:sp>
+      <p:sp>
+        <p:nvSpPr>
+          <p:cNvPr id="10" name="Rounded Rectangle 9"/>
+          <p:cNvSpPr/>
+          <p:nvPr/>
+        </p:nvSpPr>
+        <p:spPr>
+          <a:xfrm>
+            <a:off x="5446060" y="5890809"/>
+            <a:ext cx="739588" cy="345482"/>
+          </a:xfrm>
+          <a:prstGeom prst="roundRect">
+            <a:avLst/>
+          </a:prstGeom>
+          <a:noFill/>
+          <a:ln w="76200">
+            <a:solidFill>
+              <a:srgbClr val="FF0000"/>
+            </a:solidFill>
+          </a:ln>
+        </p:spPr>
+        <p:style>
+          <a:lnRef idx="2">
+            <a:schemeClr val="accent1">
+              <a:shade val="50000"/>
+            </a:schemeClr>
+          </a:lnRef>
+          <a:fillRef idx="1">
+            <a:schemeClr val="accent1"/>
+          </a:fillRef>
+          <a:effectRef idx="0">
+            <a:schemeClr val="accent1"/>
+          </a:effectRef>
+          <a:fontRef idx="minor">
+            <a:schemeClr val="lt1"/>
+          </a:fontRef>
+        </p:style>
+        <p:txBody>
+          <a:bodyPr rtlCol="0" anchor="ctr"/>
+          <a:lstStyle/>
+          <a:p>
+            <a:pPr algn="ctr"/>
+            <a:endParaRPr lang="en-US"/>
+          </a:p>
+        </p:txBody>
+      </p:sp>
     </p:spTree>
     <p:extLst>
       <p:ext uri="{BB962C8B-B14F-4D97-AF65-F5344CB8AC3E}">
-        <p14:creationId xmlns:p14="http://schemas.microsoft.com/office/powerpoint/2010/main" val="994621121"/>
+        <p14:creationId xmlns:p14="http://schemas.microsoft.com/office/powerpoint/2010/main" val="629037147"/>
       </p:ext>
     </p:extLst>
   </p:cSld>
@@ -12650,7 +13164,7 @@
           <a:p>
             <a:r>
               <a:rPr lang="en-US" dirty="0" smtClean="0"/>
-              <a:t>STEP 3: The sound you selected will appear in the editor</a:t>
+              <a:t>STEP 1: Select Sound Editor from the Tools Menu </a:t>
             </a:r>
           </a:p>
           <a:p>
@@ -12665,15 +13179,7 @@
           <a:p>
             <a:r>
               <a:rPr lang="en-US" dirty="0" smtClean="0"/>
-              <a:t>STEP 4: Move the </a:t>
-            </a:r>
-            <a:r>
-              <a:rPr lang="en-US" dirty="0"/>
-              <a:t>b</a:t>
-            </a:r>
-            <a:r>
-              <a:rPr lang="en-US" dirty="0" smtClean="0"/>
-              <a:t>lue bar to change the size of the clip</a:t>
+              <a:t>STEP 2: Click on Open and select a sound file or record your own using the red button</a:t>
             </a:r>
             <a:endParaRPr lang="en-US" dirty="0"/>
           </a:p>
@@ -12696,7 +13202,7 @@
           <a:p>
             <a:r>
               <a:rPr lang="en-US" smtClean="0"/>
-              <a:t>Copyright © EV3Lessons.com 2016 (Last edit: 7/04/2016)</a:t>
+              <a:t>Copyright © EV3Lessons.com 2016 (Last edit: 9/11/2016)</a:t>
             </a:r>
             <a:endParaRPr lang="en-US"/>
           </a:p>
@@ -12727,7 +13233,37 @@
       </p:sp>
       <p:pic>
         <p:nvPicPr>
-          <p:cNvPr id="8" name="Picture 7"/>
+          <p:cNvPr id="6" name="Picture 5"/>
+          <p:cNvPicPr>
+            <a:picLocks noChangeAspect="1"/>
+          </p:cNvPicPr>
+          <p:nvPr/>
+        </p:nvPicPr>
+        <p:blipFill>
+          <a:blip r:embed="rId2">
+            <a:extLst>
+              <a:ext uri="{28A0092B-C50C-407E-A947-70E740481C1C}">
+                <a14:useLocalDpi xmlns:a14="http://schemas.microsoft.com/office/drawing/2010/main"/>
+              </a:ext>
+            </a:extLst>
+          </a:blip>
+          <a:stretch>
+            <a:fillRect/>
+          </a:stretch>
+        </p:blipFill>
+        <p:spPr>
+          <a:xfrm>
+            <a:off x="5062894" y="1752600"/>
+            <a:ext cx="3708117" cy="1818341"/>
+          </a:xfrm>
+          <a:prstGeom prst="rect">
+            <a:avLst/>
+          </a:prstGeom>
+        </p:spPr>
+      </p:pic>
+      <p:pic>
+        <p:nvPicPr>
+          <p:cNvPr id="7" name="Picture 6"/>
           <p:cNvPicPr>
             <a:picLocks noChangeAspect="1"/>
           </p:cNvPicPr>
@@ -12747,8 +13283,8 @@
         </p:blipFill>
         <p:spPr>
           <a:xfrm>
-            <a:off x="5311588" y="1524318"/>
-            <a:ext cx="3270062" cy="2380538"/>
+            <a:off x="4975412" y="3939381"/>
+            <a:ext cx="3133005" cy="2234453"/>
           </a:xfrm>
           <a:prstGeom prst="rect">
             <a:avLst/>
@@ -12757,7 +13293,7 @@
       </p:pic>
       <p:pic>
         <p:nvPicPr>
-          <p:cNvPr id="9" name="Picture 8"/>
+          <p:cNvPr id="8" name="Picture 7"/>
           <p:cNvPicPr>
             <a:picLocks noChangeAspect="1"/>
           </p:cNvPicPr>
@@ -12777,64 +13313,18 @@
         </p:blipFill>
         <p:spPr>
           <a:xfrm>
-            <a:off x="5311588" y="4080033"/>
-            <a:ext cx="3327685" cy="2392846"/>
+            <a:off x="369718" y="5242634"/>
+            <a:ext cx="4518213" cy="535620"/>
           </a:xfrm>
           <a:prstGeom prst="rect">
             <a:avLst/>
           </a:prstGeom>
         </p:spPr>
       </p:pic>
-      <p:sp>
-        <p:nvSpPr>
-          <p:cNvPr id="11" name="Rounded Rectangle 10"/>
-          <p:cNvSpPr/>
-          <p:nvPr/>
-        </p:nvSpPr>
-        <p:spPr>
-          <a:xfrm>
-            <a:off x="6750424" y="4316506"/>
-            <a:ext cx="1008529" cy="349623"/>
-          </a:xfrm>
-          <a:prstGeom prst="roundRect">
-            <a:avLst/>
-          </a:prstGeom>
-          <a:noFill/>
-          <a:ln>
-            <a:solidFill>
-              <a:srgbClr val="FF0000"/>
-            </a:solidFill>
-          </a:ln>
-        </p:spPr>
-        <p:style>
-          <a:lnRef idx="2">
-            <a:schemeClr val="accent1">
-              <a:shade val="50000"/>
-            </a:schemeClr>
-          </a:lnRef>
-          <a:fillRef idx="1">
-            <a:schemeClr val="accent1"/>
-          </a:fillRef>
-          <a:effectRef idx="0">
-            <a:schemeClr val="accent1"/>
-          </a:effectRef>
-          <a:fontRef idx="minor">
-            <a:schemeClr val="lt1"/>
-          </a:fontRef>
-        </p:style>
-        <p:txBody>
-          <a:bodyPr rtlCol="0" anchor="ctr"/>
-          <a:lstStyle/>
-          <a:p>
-            <a:pPr algn="ctr"/>
-            <a:endParaRPr lang="en-US"/>
-          </a:p>
-        </p:txBody>
-      </p:sp>
     </p:spTree>
     <p:extLst>
       <p:ext uri="{BB962C8B-B14F-4D97-AF65-F5344CB8AC3E}">
-        <p14:creationId xmlns:p14="http://schemas.microsoft.com/office/powerpoint/2010/main" val="1093098121"/>
+        <p14:creationId xmlns:p14="http://schemas.microsoft.com/office/powerpoint/2010/main" val="994621121"/>
       </p:ext>
     </p:extLst>
   </p:cSld>
@@ -12906,7 +13396,7 @@
           <a:p>
             <a:r>
               <a:rPr lang="en-US" dirty="0" smtClean="0"/>
-              <a:t>STEP 5: Save the file</a:t>
+              <a:t>STEP 3: The sound you selected will appear in the editor</a:t>
             </a:r>
           </a:p>
           <a:p>
@@ -12921,7 +13411,15 @@
           <a:p>
             <a:r>
               <a:rPr lang="en-US" dirty="0" smtClean="0"/>
-              <a:t>STEP 6: The sound will appear in the sound block</a:t>
+              <a:t>STEP 4: Move the </a:t>
+            </a:r>
+            <a:r>
+              <a:rPr lang="en-US" dirty="0"/>
+              <a:t>b</a:t>
+            </a:r>
+            <a:r>
+              <a:rPr lang="en-US" dirty="0" smtClean="0"/>
+              <a:t>lue bar to change the size of the clip</a:t>
             </a:r>
             <a:endParaRPr lang="en-US" dirty="0"/>
           </a:p>
@@ -12944,7 +13442,7 @@
           <a:p>
             <a:r>
               <a:rPr lang="en-US" smtClean="0"/>
-              <a:t>Copyright © EV3Lessons.com 2016 (Last edit: 7/04/2016)</a:t>
+              <a:t>Copyright © EV3Lessons.com 2016 (Last edit: 9/11/2016)</a:t>
             </a:r>
             <a:endParaRPr lang="en-US"/>
           </a:p>
@@ -12975,37 +13473,7 @@
       </p:sp>
       <p:pic>
         <p:nvPicPr>
-          <p:cNvPr id="6" name="Picture 5"/>
-          <p:cNvPicPr>
-            <a:picLocks noChangeAspect="1"/>
-          </p:cNvPicPr>
-          <p:nvPr/>
-        </p:nvPicPr>
-        <p:blipFill>
-          <a:blip r:embed="rId2">
-            <a:extLst>
-              <a:ext uri="{28A0092B-C50C-407E-A947-70E740481C1C}">
-                <a14:useLocalDpi xmlns:a14="http://schemas.microsoft.com/office/drawing/2010/main"/>
-              </a:ext>
-            </a:extLst>
-          </a:blip>
-          <a:stretch>
-            <a:fillRect/>
-          </a:stretch>
-        </p:blipFill>
-        <p:spPr>
-          <a:xfrm>
-            <a:off x="3886200" y="2929201"/>
-            <a:ext cx="4800600" cy="3263900"/>
-          </a:xfrm>
-          <a:prstGeom prst="rect">
-            <a:avLst/>
-          </a:prstGeom>
-        </p:spPr>
-      </p:pic>
-      <p:pic>
-        <p:nvPicPr>
-          <p:cNvPr id="7" name="Picture 6"/>
+          <p:cNvPr id="8" name="Picture 7"/>
           <p:cNvPicPr>
             <a:picLocks noChangeAspect="1"/>
           </p:cNvPicPr>
@@ -13025,14 +13493,44 @@
         </p:blipFill>
         <p:spPr>
           <a:xfrm>
-            <a:off x="4758249" y="1383712"/>
-            <a:ext cx="3699133" cy="887037"/>
+            <a:off x="5311588" y="1524318"/>
+            <a:ext cx="3270062" cy="2380538"/>
           </a:xfrm>
           <a:prstGeom prst="rect">
             <a:avLst/>
           </a:prstGeom>
         </p:spPr>
       </p:pic>
+      <p:pic>
+        <p:nvPicPr>
+          <p:cNvPr id="9" name="Picture 8"/>
+          <p:cNvPicPr>
+            <a:picLocks noChangeAspect="1"/>
+          </p:cNvPicPr>
+          <p:nvPr/>
+        </p:nvPicPr>
+        <p:blipFill>
+          <a:blip r:embed="rId4">
+            <a:extLst>
+              <a:ext uri="{28A0092B-C50C-407E-A947-70E740481C1C}">
+                <a14:useLocalDpi xmlns:a14="http://schemas.microsoft.com/office/drawing/2010/main"/>
+              </a:ext>
+            </a:extLst>
+          </a:blip>
+          <a:stretch>
+            <a:fillRect/>
+          </a:stretch>
+        </p:blipFill>
+        <p:spPr>
+          <a:xfrm>
+            <a:off x="5311588" y="4080033"/>
+            <a:ext cx="3327685" cy="2392846"/>
+          </a:xfrm>
+          <a:prstGeom prst="rect">
+            <a:avLst/>
+          </a:prstGeom>
+        </p:spPr>
+      </p:pic>
       <p:sp>
         <p:nvSpPr>
           <p:cNvPr id="11" name="Rounded Rectangle 10"/>
@@ -13041,8 +13539,8 @@
         </p:nvSpPr>
         <p:spPr>
           <a:xfrm>
-            <a:off x="5876365" y="3724835"/>
-            <a:ext cx="2702859" cy="255494"/>
+            <a:off x="6750424" y="4316506"/>
+            <a:ext cx="1008529" cy="349623"/>
           </a:xfrm>
           <a:prstGeom prst="roundRect">
             <a:avLst/>
@@ -13082,7 +13580,7 @@
     </p:spTree>
     <p:extLst>
       <p:ext uri="{BB962C8B-B14F-4D97-AF65-F5344CB8AC3E}">
-        <p14:creationId xmlns:p14="http://schemas.microsoft.com/office/powerpoint/2010/main" val="34995183"/>
+        <p14:creationId xmlns:p14="http://schemas.microsoft.com/office/powerpoint/2010/main" val="1093098121"/>
       </p:ext>
     </p:extLst>
   </p:cSld>
